--- a/SuSS/2023_Sem1_ANL252_Python_4_Biz/3_Lecturer/Lecture_6/ANL252_SU6_Jan2023 (MK_edits).pptx
+++ b/SuSS/2023_Sem1_ANL252_Python_4_Biz/3_Lecturer/Lecture_6/ANL252_SU6_Jan2023 (MK_edits).pptx
@@ -13,7 +13,7 @@
     <p:handoutMasterId r:id="rId63"/>
   </p:handoutMasterIdLst>
   <p:sldIdLst>
-    <p:sldId id="463" r:id="rId7"/>
+    <p:sldId id="468" r:id="rId7"/>
     <p:sldId id="464" r:id="rId8"/>
     <p:sldId id="465" r:id="rId9"/>
     <p:sldId id="337" r:id="rId10"/>
@@ -174,7 +174,7 @@
       <p14:sectionLst xmlns:p14="http://schemas.microsoft.com/office/powerpoint/2010/main">
         <p14:section name="Intro" id="{A9B5E5BF-8413-4E5E-9BAB-6B21911C1230}">
           <p14:sldIdLst>
-            <p14:sldId id="463"/>
+            <p14:sldId id="468"/>
             <p14:sldId id="464"/>
             <p14:sldId id="465"/>
           </p14:sldIdLst>
@@ -21025,27 +21025,15 @@
       </p:sp>
       <p:graphicFrame>
         <p:nvGraphicFramePr>
-          <p:cNvPr id="5" name="Content Placeholder 3">
-            <a:extLst>
-              <a:ext uri="{FF2B5EF4-FFF2-40B4-BE49-F238E27FC236}">
-                <a16:creationId xmlns:a16="http://schemas.microsoft.com/office/drawing/2014/main" id="{A62A564A-48C7-6895-6A73-7D3932346359}"/>
-              </a:ext>
-            </a:extLst>
-          </p:cNvPr>
+          <p:cNvPr id="6" name="Content Placeholder 3"/>
           <p:cNvGraphicFramePr>
             <a:graphicFrameLocks/>
           </p:cNvGraphicFramePr>
-          <p:nvPr>
-            <p:extLst>
-              <p:ext uri="{D42A27DB-BD31-4B8C-83A1-F6EECF244321}">
-                <p14:modId xmlns:p14="http://schemas.microsoft.com/office/powerpoint/2010/main" val="3848916627"/>
-              </p:ext>
-            </p:extLst>
-          </p:nvPr>
+          <p:nvPr/>
         </p:nvGraphicFramePr>
         <p:xfrm>
           <a:off x="495522" y="2093160"/>
-          <a:ext cx="8038878" cy="3773204"/>
+          <a:ext cx="7743150" cy="3773204"/>
         </p:xfrm>
         <a:graphic>
           <a:graphicData uri="http://schemas.openxmlformats.org/drawingml/2006/table">
@@ -21054,21 +21042,21 @@
                 <a:tableStyleId>{5C22544A-7EE6-4342-B048-85BDC9FD1C3A}</a:tableStyleId>
               </a:tblPr>
               <a:tblGrid>
-                <a:gridCol w="2393641">
+                <a:gridCol w="2400646">
                   <a:extLst>
                     <a:ext uri="{9D8B030D-6E8A-4147-A177-3AD203B41FA5}">
                       <a16:colId xmlns:a16="http://schemas.microsoft.com/office/drawing/2014/main" val="736504923"/>
                     </a:ext>
                   </a:extLst>
                 </a:gridCol>
-                <a:gridCol w="3309863">
+                <a:gridCol w="2867660">
                   <a:extLst>
                     <a:ext uri="{9D8B030D-6E8A-4147-A177-3AD203B41FA5}">
                       <a16:colId xmlns:a16="http://schemas.microsoft.com/office/drawing/2014/main" val="2972121942"/>
                     </a:ext>
                   </a:extLst>
                 </a:gridCol>
-                <a:gridCol w="2335374">
+                <a:gridCol w="2474844">
                   <a:extLst>
                     <a:ext uri="{9D8B030D-6E8A-4147-A177-3AD203B41FA5}">
                       <a16:colId xmlns:a16="http://schemas.microsoft.com/office/drawing/2014/main" val="4127926302"/>
@@ -21144,13 +21132,7 @@
                       <a:endParaRPr lang="en-SG" dirty="0"/>
                     </a:p>
                   </a:txBody>
-                  <a:tcPr anchor="ctr">
-                    <a:solidFill>
-                      <a:schemeClr val="bg1">
-                        <a:lumMod val="50000"/>
-                      </a:schemeClr>
-                    </a:solidFill>
-                  </a:tcPr>
+                  <a:tcPr anchor="ctr"/>
                 </a:tc>
                 <a:tc>
                   <a:txBody>
@@ -21165,13 +21147,7 @@
                       <a:endParaRPr lang="en-SG" dirty="0"/>
                     </a:p>
                   </a:txBody>
-                  <a:tcPr anchor="ctr">
-                    <a:solidFill>
-                      <a:schemeClr val="bg1">
-                        <a:lumMod val="50000"/>
-                      </a:schemeClr>
-                    </a:solidFill>
-                  </a:tcPr>
+                  <a:tcPr anchor="ctr"/>
                 </a:tc>
                 <a:tc>
                   <a:txBody>
@@ -21179,16 +21155,14 @@
                     <a:lstStyle/>
                     <a:p>
                       <a:pPr algn="ctr"/>
+                      <a:r>
+                        <a:rPr lang="en-US" dirty="0"/>
+                        <a:t>27 January 2023, noon</a:t>
+                      </a:r>
                       <a:endParaRPr lang="en-SG" dirty="0"/>
                     </a:p>
                   </a:txBody>
-                  <a:tcPr anchor="ctr">
-                    <a:solidFill>
-                      <a:schemeClr val="bg1">
-                        <a:lumMod val="50000"/>
-                      </a:schemeClr>
-                    </a:solidFill>
-                  </a:tcPr>
+                  <a:tcPr anchor="ctr"/>
                 </a:tc>
                 <a:extLst>
                   <a:ext uri="{0D108BD9-81ED-4DB2-BD59-A6C34878D82A}">
@@ -21209,13 +21183,7 @@
                       <a:endParaRPr lang="en-SG" dirty="0"/>
                     </a:p>
                   </a:txBody>
-                  <a:tcPr anchor="ctr">
-                    <a:solidFill>
-                      <a:schemeClr val="bg1">
-                        <a:lumMod val="50000"/>
-                      </a:schemeClr>
-                    </a:solidFill>
-                  </a:tcPr>
+                  <a:tcPr anchor="ctr"/>
                 </a:tc>
                 <a:tc>
                   <a:txBody>
@@ -21230,61 +21198,7 @@
                       <a:endParaRPr lang="en-SG" dirty="0"/>
                     </a:p>
                   </a:txBody>
-                  <a:tcPr anchor="ctr">
-                    <a:solidFill>
-                      <a:schemeClr val="bg1">
-                        <a:lumMod val="50000"/>
-                      </a:schemeClr>
-                    </a:solidFill>
-                  </a:tcPr>
-                </a:tc>
-                <a:tc>
-                  <a:txBody>
-                    <a:bodyPr/>
-                    <a:lstStyle/>
-                    <a:p>
-                      <a:pPr algn="ctr"/>
-                      <a:endParaRPr lang="en-SG" dirty="0"/>
-                    </a:p>
-                  </a:txBody>
-                  <a:tcPr anchor="ctr">
-                    <a:solidFill>
-                      <a:schemeClr val="bg1">
-                        <a:lumMod val="50000"/>
-                      </a:schemeClr>
-                    </a:solidFill>
-                  </a:tcPr>
-                </a:tc>
-                <a:extLst>
-                  <a:ext uri="{0D108BD9-81ED-4DB2-BD59-A6C34878D82A}">
-                    <a16:rowId xmlns:a16="http://schemas.microsoft.com/office/drawing/2014/main" val="196128480"/>
-                  </a:ext>
-                </a:extLst>
-              </a:tr>
-              <a:tr h="368412">
-                <a:tc>
-                  <a:txBody>
-                    <a:bodyPr/>
-                    <a:lstStyle/>
-                    <a:p>
-                      <a:r>
-                        <a:rPr lang="en-US" dirty="0"/>
-                        <a:t>Pre-Class Quiz</a:t>
-                      </a:r>
-                      <a:r>
-                        <a:rPr lang="en-US" baseline="0" dirty="0"/>
-                        <a:t> 2</a:t>
-                      </a:r>
-                      <a:endParaRPr lang="en-SG" dirty="0"/>
-                    </a:p>
-                  </a:txBody>
-                  <a:tcPr anchor="ctr">
-                    <a:solidFill>
-                      <a:schemeClr val="bg1">
-                        <a:lumMod val="50000"/>
-                      </a:schemeClr>
-                    </a:solidFill>
-                  </a:tcPr>
+                  <a:tcPr anchor="ctr"/>
                 </a:tc>
                 <a:tc>
                   <a:txBody>
@@ -21294,43 +21208,20 @@
                       <a:pPr algn="ctr"/>
                       <a:r>
                         <a:rPr lang="en-US" dirty="0"/>
-                        <a:t>2%</a:t>
+                        <a:t>6 February 2023, noon</a:t>
                       </a:r>
                       <a:endParaRPr lang="en-SG" dirty="0"/>
                     </a:p>
                   </a:txBody>
-                  <a:tcPr anchor="ctr">
-                    <a:solidFill>
-                      <a:schemeClr val="bg1">
-                        <a:lumMod val="50000"/>
-                      </a:schemeClr>
-                    </a:solidFill>
-                  </a:tcPr>
-                </a:tc>
-                <a:tc>
-                  <a:txBody>
-                    <a:bodyPr/>
-                    <a:lstStyle/>
-                    <a:p>
-                      <a:pPr algn="ctr"/>
-                      <a:endParaRPr lang="en-SG" dirty="0"/>
-                    </a:p>
-                  </a:txBody>
-                  <a:tcPr anchor="ctr">
-                    <a:solidFill>
-                      <a:schemeClr val="bg1">
-                        <a:lumMod val="50000"/>
-                      </a:schemeClr>
-                    </a:solidFill>
-                  </a:tcPr>
+                  <a:tcPr anchor="ctr"/>
                 </a:tc>
                 <a:extLst>
                   <a:ext uri="{0D108BD9-81ED-4DB2-BD59-A6C34878D82A}">
-                    <a16:rowId xmlns:a16="http://schemas.microsoft.com/office/drawing/2014/main" val="4029903763"/>
+                    <a16:rowId xmlns:a16="http://schemas.microsoft.com/office/drawing/2014/main" val="196128480"/>
                   </a:ext>
                 </a:extLst>
               </a:tr>
-              <a:tr h="635890">
+              <a:tr h="368412">
                 <a:tc>
                   <a:txBody>
                     <a:bodyPr/>
@@ -21347,13 +21238,7 @@
                       <a:endParaRPr lang="en-SG" dirty="0"/>
                     </a:p>
                   </a:txBody>
-                  <a:tcPr anchor="ctr">
-                    <a:solidFill>
-                      <a:schemeClr val="bg1">
-                        <a:lumMod val="50000"/>
-                      </a:schemeClr>
-                    </a:solidFill>
-                  </a:tcPr>
+                  <a:tcPr anchor="ctr"/>
                 </a:tc>
                 <a:tc>
                   <a:txBody>
@@ -21368,13 +21253,7 @@
                       <a:endParaRPr lang="en-SG" dirty="0"/>
                     </a:p>
                   </a:txBody>
-                  <a:tcPr anchor="ctr">
-                    <a:solidFill>
-                      <a:schemeClr val="bg1">
-                        <a:lumMod val="50000"/>
-                      </a:schemeClr>
-                    </a:solidFill>
-                  </a:tcPr>
+                  <a:tcPr anchor="ctr"/>
                 </a:tc>
                 <a:tc>
                   <a:txBody>
@@ -21382,20 +21261,17 @@
                     <a:lstStyle/>
                     <a:p>
                       <a:pPr algn="ctr"/>
-                      <a:endParaRPr lang="en-SG" dirty="0"/>
+                      <a:r>
+                        <a:rPr lang="en-SG" dirty="0"/>
+                        <a:t>5 February 2023, 2355hrs</a:t>
+                      </a:r>
                     </a:p>
                   </a:txBody>
-                  <a:tcPr anchor="ctr">
-                    <a:solidFill>
-                      <a:schemeClr val="bg1">
-                        <a:lumMod val="50000"/>
-                      </a:schemeClr>
-                    </a:solidFill>
-                  </a:tcPr>
+                  <a:tcPr anchor="ctr"/>
                 </a:tc>
                 <a:extLst>
                   <a:ext uri="{0D108BD9-81ED-4DB2-BD59-A6C34878D82A}">
-                    <a16:rowId xmlns:a16="http://schemas.microsoft.com/office/drawing/2014/main" val="2065889755"/>
+                    <a16:rowId xmlns:a16="http://schemas.microsoft.com/office/drawing/2014/main" val="2180777003"/>
                   </a:ext>
                 </a:extLst>
               </a:tr>
@@ -21420,13 +21296,7 @@
                       <a:endParaRPr lang="en-SG" dirty="0"/>
                     </a:p>
                   </a:txBody>
-                  <a:tcPr anchor="ctr">
-                    <a:solidFill>
-                      <a:schemeClr val="bg1">
-                        <a:lumMod val="50000"/>
-                      </a:schemeClr>
-                    </a:solidFill>
-                  </a:tcPr>
+                  <a:tcPr anchor="ctr"/>
                 </a:tc>
                 <a:tc>
                   <a:txBody>
@@ -21441,13 +21311,61 @@
                       <a:endParaRPr lang="en-SG" dirty="0"/>
                     </a:p>
                   </a:txBody>
-                  <a:tcPr anchor="ctr">
-                    <a:solidFill>
-                      <a:schemeClr val="bg1">
-                        <a:lumMod val="50000"/>
-                      </a:schemeClr>
-                    </a:solidFill>
-                  </a:tcPr>
+                  <a:tcPr anchor="ctr"/>
+                </a:tc>
+                <a:tc>
+                  <a:txBody>
+                    <a:bodyPr/>
+                    <a:lstStyle/>
+                    <a:p>
+                      <a:pPr algn="ctr"/>
+                      <a:r>
+                        <a:rPr lang="en-SG" dirty="0"/>
+                        <a:t>19 February 2023, 2355hrs</a:t>
+                      </a:r>
+                    </a:p>
+                  </a:txBody>
+                  <a:tcPr anchor="ctr"/>
+                </a:tc>
+                <a:extLst>
+                  <a:ext uri="{0D108BD9-81ED-4DB2-BD59-A6C34878D82A}">
+                    <a16:rowId xmlns:a16="http://schemas.microsoft.com/office/drawing/2014/main" val="3821679047"/>
+                  </a:ext>
+                </a:extLst>
+              </a:tr>
+              <a:tr h="635890">
+                <a:tc>
+                  <a:txBody>
+                    <a:bodyPr/>
+                    <a:lstStyle/>
+                    <a:p>
+                      <a:r>
+                        <a:rPr lang="en-US" dirty="0"/>
+                        <a:t>Pre-Class Quiz</a:t>
+                      </a:r>
+                      <a:r>
+                        <a:rPr lang="en-US" baseline="0" dirty="0"/>
+                        <a:t> 2</a:t>
+                      </a:r>
+                      <a:endParaRPr lang="en-SG" dirty="0"/>
+                    </a:p>
+                  </a:txBody>
+                  <a:tcPr anchor="ctr"/>
+                </a:tc>
+                <a:tc>
+                  <a:txBody>
+                    <a:bodyPr/>
+                    <a:lstStyle/>
+                    <a:p>
+                      <a:pPr algn="ctr"/>
+                      <a:r>
+                        <a:rPr lang="en-US" dirty="0"/>
+                        <a:t>2%</a:t>
+                      </a:r>
+                      <a:endParaRPr lang="en-SG" dirty="0"/>
+                    </a:p>
+                  </a:txBody>
+                  <a:tcPr anchor="ctr"/>
                 </a:tc>
                 <a:tc>
                   <a:txBody>
@@ -21471,20 +21389,18 @@
                         <a:tabLst/>
                         <a:defRPr/>
                       </a:pPr>
+                      <a:r>
+                        <a:rPr lang="en-US" dirty="0"/>
+                        <a:t>20 February 2023, noon</a:t>
+                      </a:r>
                       <a:endParaRPr lang="en-SG" dirty="0"/>
                     </a:p>
                   </a:txBody>
-                  <a:tcPr anchor="ctr">
-                    <a:solidFill>
-                      <a:schemeClr val="bg1">
-                        <a:lumMod val="50000"/>
-                      </a:schemeClr>
-                    </a:solidFill>
-                  </a:tcPr>
+                  <a:tcPr anchor="ctr"/>
                 </a:tc>
                 <a:extLst>
                   <a:ext uri="{0D108BD9-81ED-4DB2-BD59-A6C34878D82A}">
-                    <a16:rowId xmlns:a16="http://schemas.microsoft.com/office/drawing/2014/main" val="3821679047"/>
+                    <a16:rowId xmlns:a16="http://schemas.microsoft.com/office/drawing/2014/main" val="1308177450"/>
                   </a:ext>
                 </a:extLst>
               </a:tr>
@@ -21540,6 +21456,10 @@
                         <a:tabLst/>
                         <a:defRPr/>
                       </a:pPr>
+                      <a:r>
+                        <a:rPr lang="en-US" dirty="0"/>
+                        <a:t>6 March 2023, 1200 noon</a:t>
+                      </a:r>
                       <a:endParaRPr lang="en-SG" dirty="0"/>
                     </a:p>
                   </a:txBody>
@@ -21628,7 +21548,7 @@
     </p:custDataLst>
     <p:extLst>
       <p:ext uri="{BB962C8B-B14F-4D97-AF65-F5344CB8AC3E}">
-        <p14:creationId xmlns:p14="http://schemas.microsoft.com/office/powerpoint/2010/main" val="2219170965"/>
+        <p14:creationId xmlns:p14="http://schemas.microsoft.com/office/powerpoint/2010/main" val="2358700553"/>
       </p:ext>
     </p:extLst>
   </p:cSld>
@@ -42361,6 +42281,15 @@
 </file>
 
 <file path=customXml/item1.xml><?xml version="1.0" encoding="utf-8"?>
+<?mso-contentType ?>
+<FormTemplates xmlns="http://schemas.microsoft.com/sharepoint/v3/contenttype/forms">
+  <Display>DocumentLibraryForm</Display>
+  <Edit>DocumentLibraryForm</Edit>
+  <New>DocumentLibraryForm</New>
+</FormTemplates>
+</file>
+
+<file path=customXml/item2.xml><?xml version="1.0" encoding="utf-8"?>
 <ct:contentTypeSchema xmlns:ct="http://schemas.microsoft.com/office/2006/metadata/contentType" xmlns:ma="http://schemas.microsoft.com/office/2006/metadata/properties/metaAttributes" ct:_="" ma:_="" ma:contentTypeName="Document" ma:contentTypeID="0x010100606A1258361F104792B87D967037D439" ma:contentTypeVersion="0" ma:contentTypeDescription="Create a new document." ma:contentTypeScope="" ma:versionID="72d9905301751e4347c9ddc8332f4b8d">
   <xsd:schema xmlns:xsd="http://www.w3.org/2001/XMLSchema" xmlns:p="http://schemas.microsoft.com/office/2006/metadata/properties" targetNamespace="http://schemas.microsoft.com/office/2006/metadata/properties" ma:root="true" ma:fieldsID="4aeb20c0e3442673af7ee10786458764">
     <xsd:element name="properties">
@@ -42409,15 +42338,6 @@
 </ct:contentTypeSchema>
 </file>
 
-<file path=customXml/item2.xml><?xml version="1.0" encoding="utf-8"?>
-<?mso-contentType ?>
-<FormTemplates xmlns="http://schemas.microsoft.com/sharepoint/v3/contenttype/forms">
-  <Display>DocumentLibraryForm</Display>
-  <Edit>DocumentLibraryForm</Edit>
-  <New>DocumentLibraryForm</New>
-</FormTemplates>
-</file>
-
 <file path=customXml/item3.xml><?xml version="1.0" encoding="utf-8"?>
 <p:properties xmlns:p="http://schemas.microsoft.com/office/2006/metadata/properties" xmlns:xsi="http://www.w3.org/2001/XMLSchema-instance">
   <documentManagement/>
@@ -42425,6 +42345,14 @@
 </file>
 
 <file path=customXml/itemProps1.xml><?xml version="1.0" encoding="utf-8"?>
+<ds:datastoreItem xmlns:ds="http://schemas.openxmlformats.org/officeDocument/2006/customXml" ds:itemID="{A8AED1B3-2F45-4762-91FA-ED08F295B52E}">
+  <ds:schemaRefs>
+    <ds:schemaRef ds:uri="http://schemas.microsoft.com/sharepoint/v3/contenttype/forms"/>
+  </ds:schemaRefs>
+</ds:datastoreItem>
+</file>
+
+<file path=customXml/itemProps2.xml><?xml version="1.0" encoding="utf-8"?>
 <ds:datastoreItem xmlns:ds="http://schemas.openxmlformats.org/officeDocument/2006/customXml" ds:itemID="{F223B4EA-C447-40BA-B202-65C188424725}">
   <ds:schemaRefs>
     <ds:schemaRef ds:uri="http://schemas.microsoft.com/office/2006/metadata/contentType"/>
@@ -42435,14 +42363,6 @@
     <ds:schemaRef ds:uri="http://purl.org/dc/elements/1.1/"/>
     <ds:schemaRef ds:uri="http://purl.org/dc/terms/"/>
     <ds:schemaRef ds:uri="http://schemas.microsoft.com/office/internal/2005/internalDocumentation"/>
-  </ds:schemaRefs>
-</ds:datastoreItem>
-</file>
-
-<file path=customXml/itemProps2.xml><?xml version="1.0" encoding="utf-8"?>
-<ds:datastoreItem xmlns:ds="http://schemas.openxmlformats.org/officeDocument/2006/customXml" ds:itemID="{A8AED1B3-2F45-4762-91FA-ED08F295B52E}">
-  <ds:schemaRefs>
-    <ds:schemaRef ds:uri="http://schemas.microsoft.com/sharepoint/v3/contenttype/forms"/>
   </ds:schemaRefs>
 </ds:datastoreItem>
 </file>

--- a/SuSS/2023_Sem1_ANL252_Python_4_Biz/3_Lecturer/Lecture_6/ANL252_SU6_Jan2023 (MK_edits).pptx
+++ b/SuSS/2023_Sem1_ANL252_Python_4_Biz/3_Lecturer/Lecture_6/ANL252_SU6_Jan2023 (MK_edits).pptx
@@ -7,10 +7,10 @@
     <p:sldMasterId id="2147483663" r:id="rId6"/>
   </p:sldMasterIdLst>
   <p:notesMasterIdLst>
-    <p:notesMasterId r:id="rId62"/>
+    <p:notesMasterId r:id="rId63"/>
   </p:notesMasterIdLst>
   <p:handoutMasterIdLst>
-    <p:handoutMasterId r:id="rId63"/>
+    <p:handoutMasterId r:id="rId64"/>
   </p:handoutMasterIdLst>
   <p:sldIdLst>
     <p:sldId id="468" r:id="rId7"/>
@@ -31,48 +31,49 @@
     <p:sldId id="378" r:id="rId22"/>
     <p:sldId id="268" r:id="rId23"/>
     <p:sldId id="466" r:id="rId24"/>
-    <p:sldId id="467" r:id="rId25"/>
-    <p:sldId id="339" r:id="rId26"/>
-    <p:sldId id="392" r:id="rId27"/>
-    <p:sldId id="394" r:id="rId28"/>
-    <p:sldId id="396" r:id="rId29"/>
-    <p:sldId id="398" r:id="rId30"/>
-    <p:sldId id="399" r:id="rId31"/>
-    <p:sldId id="400" r:id="rId32"/>
-    <p:sldId id="407" r:id="rId33"/>
-    <p:sldId id="379" r:id="rId34"/>
-    <p:sldId id="410" r:id="rId35"/>
-    <p:sldId id="344" r:id="rId36"/>
-    <p:sldId id="411" r:id="rId37"/>
-    <p:sldId id="412" r:id="rId38"/>
-    <p:sldId id="457" r:id="rId39"/>
-    <p:sldId id="416" r:id="rId40"/>
-    <p:sldId id="458" r:id="rId41"/>
-    <p:sldId id="420" r:id="rId42"/>
-    <p:sldId id="422" r:id="rId43"/>
-    <p:sldId id="459" r:id="rId44"/>
-    <p:sldId id="380" r:id="rId45"/>
-    <p:sldId id="426" r:id="rId46"/>
-    <p:sldId id="349" r:id="rId47"/>
-    <p:sldId id="427" r:id="rId48"/>
-    <p:sldId id="428" r:id="rId49"/>
-    <p:sldId id="432" r:id="rId50"/>
-    <p:sldId id="381" r:id="rId51"/>
-    <p:sldId id="437" r:id="rId52"/>
-    <p:sldId id="355" r:id="rId53"/>
-    <p:sldId id="438" r:id="rId54"/>
-    <p:sldId id="441" r:id="rId55"/>
-    <p:sldId id="443" r:id="rId56"/>
-    <p:sldId id="445" r:id="rId57"/>
-    <p:sldId id="449" r:id="rId58"/>
-    <p:sldId id="453" r:id="rId59"/>
-    <p:sldId id="382" r:id="rId60"/>
-    <p:sldId id="456" r:id="rId61"/>
+    <p:sldId id="469" r:id="rId25"/>
+    <p:sldId id="467" r:id="rId26"/>
+    <p:sldId id="339" r:id="rId27"/>
+    <p:sldId id="392" r:id="rId28"/>
+    <p:sldId id="394" r:id="rId29"/>
+    <p:sldId id="396" r:id="rId30"/>
+    <p:sldId id="398" r:id="rId31"/>
+    <p:sldId id="399" r:id="rId32"/>
+    <p:sldId id="400" r:id="rId33"/>
+    <p:sldId id="407" r:id="rId34"/>
+    <p:sldId id="379" r:id="rId35"/>
+    <p:sldId id="410" r:id="rId36"/>
+    <p:sldId id="344" r:id="rId37"/>
+    <p:sldId id="411" r:id="rId38"/>
+    <p:sldId id="412" r:id="rId39"/>
+    <p:sldId id="457" r:id="rId40"/>
+    <p:sldId id="416" r:id="rId41"/>
+    <p:sldId id="458" r:id="rId42"/>
+    <p:sldId id="420" r:id="rId43"/>
+    <p:sldId id="422" r:id="rId44"/>
+    <p:sldId id="459" r:id="rId45"/>
+    <p:sldId id="380" r:id="rId46"/>
+    <p:sldId id="426" r:id="rId47"/>
+    <p:sldId id="349" r:id="rId48"/>
+    <p:sldId id="427" r:id="rId49"/>
+    <p:sldId id="428" r:id="rId50"/>
+    <p:sldId id="432" r:id="rId51"/>
+    <p:sldId id="381" r:id="rId52"/>
+    <p:sldId id="437" r:id="rId53"/>
+    <p:sldId id="355" r:id="rId54"/>
+    <p:sldId id="438" r:id="rId55"/>
+    <p:sldId id="441" r:id="rId56"/>
+    <p:sldId id="443" r:id="rId57"/>
+    <p:sldId id="445" r:id="rId58"/>
+    <p:sldId id="449" r:id="rId59"/>
+    <p:sldId id="453" r:id="rId60"/>
+    <p:sldId id="382" r:id="rId61"/>
+    <p:sldId id="456" r:id="rId62"/>
   </p:sldIdLst>
   <p:sldSz cx="9144000" cy="6858000" type="screen4x3"/>
   <p:notesSz cx="6858000" cy="9144000"/>
   <p:custDataLst>
-    <p:tags r:id="rId64"/>
+    <p:tags r:id="rId65"/>
   </p:custDataLst>
   <p:defaultTextStyle>
     <a:defPPr>
@@ -200,6 +201,7 @@
             <p14:sldId id="378"/>
             <p14:sldId id="268"/>
             <p14:sldId id="466"/>
+            <p14:sldId id="469"/>
             <p14:sldId id="467"/>
             <p14:sldId id="339"/>
             <p14:sldId id="392"/>
@@ -21029,7 +21031,13 @@
           <p:cNvGraphicFramePr>
             <a:graphicFrameLocks/>
           </p:cNvGraphicFramePr>
-          <p:nvPr/>
+          <p:nvPr>
+            <p:extLst>
+              <p:ext uri="{D42A27DB-BD31-4B8C-83A1-F6EECF244321}">
+                <p14:modId xmlns:p14="http://schemas.microsoft.com/office/powerpoint/2010/main" val="2070750800"/>
+              </p:ext>
+            </p:extLst>
+          </p:nvPr>
         </p:nvGraphicFramePr>
         <p:xfrm>
           <a:off x="495522" y="2093160"/>
@@ -21132,7 +21140,13 @@
                       <a:endParaRPr lang="en-SG" dirty="0"/>
                     </a:p>
                   </a:txBody>
-                  <a:tcPr anchor="ctr"/>
+                  <a:tcPr anchor="ctr">
+                    <a:solidFill>
+                      <a:schemeClr val="bg1">
+                        <a:lumMod val="50000"/>
+                      </a:schemeClr>
+                    </a:solidFill>
+                  </a:tcPr>
                 </a:tc>
                 <a:tc>
                   <a:txBody>
@@ -21147,7 +21161,13 @@
                       <a:endParaRPr lang="en-SG" dirty="0"/>
                     </a:p>
                   </a:txBody>
-                  <a:tcPr anchor="ctr"/>
+                  <a:tcPr anchor="ctr">
+                    <a:solidFill>
+                      <a:schemeClr val="bg1">
+                        <a:lumMod val="50000"/>
+                      </a:schemeClr>
+                    </a:solidFill>
+                  </a:tcPr>
                 </a:tc>
                 <a:tc>
                   <a:txBody>
@@ -21162,7 +21182,13 @@
                       <a:endParaRPr lang="en-SG" dirty="0"/>
                     </a:p>
                   </a:txBody>
-                  <a:tcPr anchor="ctr"/>
+                  <a:tcPr anchor="ctr">
+                    <a:solidFill>
+                      <a:schemeClr val="bg1">
+                        <a:lumMod val="50000"/>
+                      </a:schemeClr>
+                    </a:solidFill>
+                  </a:tcPr>
                 </a:tc>
                 <a:extLst>
                   <a:ext uri="{0D108BD9-81ED-4DB2-BD59-A6C34878D82A}">
@@ -21183,7 +21209,13 @@
                       <a:endParaRPr lang="en-SG" dirty="0"/>
                     </a:p>
                   </a:txBody>
-                  <a:tcPr anchor="ctr"/>
+                  <a:tcPr anchor="ctr">
+                    <a:solidFill>
+                      <a:schemeClr val="bg1">
+                        <a:lumMod val="50000"/>
+                      </a:schemeClr>
+                    </a:solidFill>
+                  </a:tcPr>
                 </a:tc>
                 <a:tc>
                   <a:txBody>
@@ -21198,7 +21230,13 @@
                       <a:endParaRPr lang="en-SG" dirty="0"/>
                     </a:p>
                   </a:txBody>
-                  <a:tcPr anchor="ctr"/>
+                  <a:tcPr anchor="ctr">
+                    <a:solidFill>
+                      <a:schemeClr val="bg1">
+                        <a:lumMod val="50000"/>
+                      </a:schemeClr>
+                    </a:solidFill>
+                  </a:tcPr>
                 </a:tc>
                 <a:tc>
                   <a:txBody>
@@ -21213,7 +21251,13 @@
                       <a:endParaRPr lang="en-SG" dirty="0"/>
                     </a:p>
                   </a:txBody>
-                  <a:tcPr anchor="ctr"/>
+                  <a:tcPr anchor="ctr">
+                    <a:solidFill>
+                      <a:schemeClr val="bg1">
+                        <a:lumMod val="50000"/>
+                      </a:schemeClr>
+                    </a:solidFill>
+                  </a:tcPr>
                 </a:tc>
                 <a:extLst>
                   <a:ext uri="{0D108BD9-81ED-4DB2-BD59-A6C34878D82A}">
@@ -21238,7 +21282,13 @@
                       <a:endParaRPr lang="en-SG" dirty="0"/>
                     </a:p>
                   </a:txBody>
-                  <a:tcPr anchor="ctr"/>
+                  <a:tcPr anchor="ctr">
+                    <a:solidFill>
+                      <a:schemeClr val="bg1">
+                        <a:lumMod val="50000"/>
+                      </a:schemeClr>
+                    </a:solidFill>
+                  </a:tcPr>
                 </a:tc>
                 <a:tc>
                   <a:txBody>
@@ -21253,7 +21303,13 @@
                       <a:endParaRPr lang="en-SG" dirty="0"/>
                     </a:p>
                   </a:txBody>
-                  <a:tcPr anchor="ctr"/>
+                  <a:tcPr anchor="ctr">
+                    <a:solidFill>
+                      <a:schemeClr val="bg1">
+                        <a:lumMod val="50000"/>
+                      </a:schemeClr>
+                    </a:solidFill>
+                  </a:tcPr>
                 </a:tc>
                 <a:tc>
                   <a:txBody>
@@ -21267,7 +21323,13 @@
                       </a:r>
                     </a:p>
                   </a:txBody>
-                  <a:tcPr anchor="ctr"/>
+                  <a:tcPr anchor="ctr">
+                    <a:solidFill>
+                      <a:schemeClr val="bg1">
+                        <a:lumMod val="50000"/>
+                      </a:schemeClr>
+                    </a:solidFill>
+                  </a:tcPr>
                 </a:tc>
                 <a:extLst>
                   <a:ext uri="{0D108BD9-81ED-4DB2-BD59-A6C34878D82A}">
@@ -21296,7 +21358,13 @@
                       <a:endParaRPr lang="en-SG" dirty="0"/>
                     </a:p>
                   </a:txBody>
-                  <a:tcPr anchor="ctr"/>
+                  <a:tcPr anchor="ctr">
+                    <a:solidFill>
+                      <a:schemeClr val="bg1">
+                        <a:lumMod val="50000"/>
+                      </a:schemeClr>
+                    </a:solidFill>
+                  </a:tcPr>
                 </a:tc>
                 <a:tc>
                   <a:txBody>
@@ -21311,7 +21379,13 @@
                       <a:endParaRPr lang="en-SG" dirty="0"/>
                     </a:p>
                   </a:txBody>
-                  <a:tcPr anchor="ctr"/>
+                  <a:tcPr anchor="ctr">
+                    <a:solidFill>
+                      <a:schemeClr val="bg1">
+                        <a:lumMod val="50000"/>
+                      </a:schemeClr>
+                    </a:solidFill>
+                  </a:tcPr>
                 </a:tc>
                 <a:tc>
                   <a:txBody>
@@ -21325,7 +21399,13 @@
                       </a:r>
                     </a:p>
                   </a:txBody>
-                  <a:tcPr anchor="ctr"/>
+                  <a:tcPr anchor="ctr">
+                    <a:solidFill>
+                      <a:schemeClr val="bg1">
+                        <a:lumMod val="50000"/>
+                      </a:schemeClr>
+                    </a:solidFill>
+                  </a:tcPr>
                 </a:tc>
                 <a:extLst>
                   <a:ext uri="{0D108BD9-81ED-4DB2-BD59-A6C34878D82A}">
@@ -21350,7 +21430,13 @@
                       <a:endParaRPr lang="en-SG" dirty="0"/>
                     </a:p>
                   </a:txBody>
-                  <a:tcPr anchor="ctr"/>
+                  <a:tcPr anchor="ctr">
+                    <a:solidFill>
+                      <a:schemeClr val="bg1">
+                        <a:lumMod val="50000"/>
+                      </a:schemeClr>
+                    </a:solidFill>
+                  </a:tcPr>
                 </a:tc>
                 <a:tc>
                   <a:txBody>
@@ -21365,7 +21451,13 @@
                       <a:endParaRPr lang="en-SG" dirty="0"/>
                     </a:p>
                   </a:txBody>
-                  <a:tcPr anchor="ctr"/>
+                  <a:tcPr anchor="ctr">
+                    <a:solidFill>
+                      <a:schemeClr val="bg1">
+                        <a:lumMod val="50000"/>
+                      </a:schemeClr>
+                    </a:solidFill>
+                  </a:tcPr>
                 </a:tc>
                 <a:tc>
                   <a:txBody>
@@ -21396,7 +21488,13 @@
                       <a:endParaRPr lang="en-SG" dirty="0"/>
                     </a:p>
                   </a:txBody>
-                  <a:tcPr anchor="ctr"/>
+                  <a:tcPr anchor="ctr">
+                    <a:solidFill>
+                      <a:schemeClr val="bg1">
+                        <a:lumMod val="50000"/>
+                      </a:schemeClr>
+                    </a:solidFill>
+                  </a:tcPr>
                 </a:tc>
                 <a:extLst>
                   <a:ext uri="{0D108BD9-81ED-4DB2-BD59-A6C34878D82A}">
@@ -24913,10 +25011,10 @@
       </p:grpSpPr>
       <p:sp>
         <p:nvSpPr>
-          <p:cNvPr id="5122" name="Title 1">
+          <p:cNvPr id="4" name="Title 3">
             <a:extLst>
               <a:ext uri="{FF2B5EF4-FFF2-40B4-BE49-F238E27FC236}">
-                <a16:creationId xmlns:a16="http://schemas.microsoft.com/office/drawing/2014/main" id="{2DF29706-0BF6-40D2-8B1C-3EC71B2E0102}"/>
+                <a16:creationId xmlns:a16="http://schemas.microsoft.com/office/drawing/2014/main" id="{94D33A92-F4F2-3DB3-A02C-DC64191E43C9}"/>
               </a:ext>
             </a:extLst>
           </p:cNvPr>
@@ -24927,60 +25025,34 @@
             <p:ph type="title"/>
           </p:nvPr>
         </p:nvSpPr>
-        <p:spPr bwMode="auto">
-          <a:xfrm>
-            <a:off x="206436" y="1219199"/>
-            <a:ext cx="8229600" cy="1713676"/>
-          </a:xfrm>
-          <a:noFill/>
-          <a:extLst>
-            <a:ext uri="{909E8E84-426E-40DD-AFC4-6F175D3DCCD1}">
-              <a14:hiddenFill xmlns:a14="http://schemas.microsoft.com/office/drawing/2010/main">
-                <a:solidFill>
-                  <a:srgbClr val="FFFFFF"/>
-                </a:solidFill>
-              </a14:hiddenFill>
-            </a:ext>
-            <a:ext uri="{91240B29-F687-4F45-9708-019B960494DF}">
-              <a14:hiddenLine xmlns:a14="http://schemas.microsoft.com/office/drawing/2010/main" w="9525">
-                <a:solidFill>
-                  <a:srgbClr val="000000"/>
-                </a:solidFill>
-                <a:miter lim="800000"/>
-                <a:headEnd/>
-                <a:tailEnd/>
-              </a14:hiddenLine>
-            </a:ext>
-          </a:extLst>
-        </p:spPr>
+        <p:spPr/>
         <p:txBody>
-          <a:bodyPr vert="horz" wrap="square" lIns="91440" tIns="45720" rIns="91440" bIns="45720" numCol="1" anchor="t" anchorCtr="0" compatLnSpc="1">
-            <a:prstTxWarp prst="textNoShape">
-              <a:avLst/>
-            </a:prstTxWarp>
-          </a:bodyPr>
+          <a:bodyPr/>
           <a:lstStyle/>
           <a:p>
             <a:r>
-              <a:rPr lang="en-US" altLang="en-US" dirty="0">
-                <a:solidFill>
-                  <a:schemeClr val="bg1"/>
-                </a:solidFill>
-                <a:ea typeface="ヒラギノ角ゴ Pro W3"/>
-                <a:cs typeface="Lucida Sans" panose="020B0602040502020204" pitchFamily="34" charset="0"/>
-              </a:rPr>
-              <a:t>The rest of Study Unit 6 is Optional</a:t>
-            </a:r>
+              <a:rPr lang="en-SG" dirty="0"/>
+              <a:t>Time for our Lab!</a:t>
+            </a:r>
+            <a:br>
+              <a:rPr lang="en-SG" dirty="0"/>
+            </a:br>
+            <a:r>
+              <a:rPr lang="en-SG" dirty="0"/>
+              <a:t>Lets do </a:t>
+            </a:r>
+            <a:r>
+              <a:rPr lang="en-SG"/>
+              <a:t>Lab 6a</a:t>
+            </a:r>
+            <a:endParaRPr lang="en-SG" dirty="0"/>
           </a:p>
         </p:txBody>
       </p:sp>
     </p:spTree>
-    <p:custDataLst>
-      <p:tags r:id="rId1"/>
-    </p:custDataLst>
     <p:extLst>
       <p:ext uri="{BB962C8B-B14F-4D97-AF65-F5344CB8AC3E}">
-        <p14:creationId xmlns:p14="http://schemas.microsoft.com/office/powerpoint/2010/main" val="3225150452"/>
+        <p14:creationId xmlns:p14="http://schemas.microsoft.com/office/powerpoint/2010/main" val="1691278936"/>
       </p:ext>
     </p:extLst>
   </p:cSld>
@@ -25224,6 +25296,102 @@
                 <a:ea typeface="ヒラギノ角ゴ Pro W3"/>
                 <a:cs typeface="Lucida Sans" panose="020B0602040502020204" pitchFamily="34" charset="0"/>
               </a:rPr>
+              <a:t>The rest of Study Unit 6 is Optional</a:t>
+            </a:r>
+          </a:p>
+        </p:txBody>
+      </p:sp>
+    </p:spTree>
+    <p:custDataLst>
+      <p:tags r:id="rId1"/>
+    </p:custDataLst>
+    <p:extLst>
+      <p:ext uri="{BB962C8B-B14F-4D97-AF65-F5344CB8AC3E}">
+        <p14:creationId xmlns:p14="http://schemas.microsoft.com/office/powerpoint/2010/main" val="3225150452"/>
+      </p:ext>
+    </p:extLst>
+  </p:cSld>
+  <p:clrMapOvr>
+    <a:masterClrMapping/>
+  </p:clrMapOvr>
+</p:sld>
+</file>
+
+<file path=ppt/slides/slide21.xml><?xml version="1.0" encoding="utf-8"?>
+<p:sld xmlns:a="http://schemas.openxmlformats.org/drawingml/2006/main" xmlns:r="http://schemas.openxmlformats.org/officeDocument/2006/relationships" xmlns:p="http://schemas.openxmlformats.org/presentationml/2006/main">
+  <p:cSld>
+    <p:spTree>
+      <p:nvGrpSpPr>
+        <p:cNvPr id="1" name=""/>
+        <p:cNvGrpSpPr/>
+        <p:nvPr/>
+      </p:nvGrpSpPr>
+      <p:grpSpPr>
+        <a:xfrm>
+          <a:off x="0" y="0"/>
+          <a:ext cx="0" cy="0"/>
+          <a:chOff x="0" y="0"/>
+          <a:chExt cx="0" cy="0"/>
+        </a:xfrm>
+      </p:grpSpPr>
+      <p:sp>
+        <p:nvSpPr>
+          <p:cNvPr id="5122" name="Title 1">
+            <a:extLst>
+              <a:ext uri="{FF2B5EF4-FFF2-40B4-BE49-F238E27FC236}">
+                <a16:creationId xmlns:a16="http://schemas.microsoft.com/office/drawing/2014/main" id="{2DF29706-0BF6-40D2-8B1C-3EC71B2E0102}"/>
+              </a:ext>
+            </a:extLst>
+          </p:cNvPr>
+          <p:cNvSpPr>
+            <a:spLocks noGrp="1"/>
+          </p:cNvSpPr>
+          <p:nvPr>
+            <p:ph type="title"/>
+          </p:nvPr>
+        </p:nvSpPr>
+        <p:spPr bwMode="auto">
+          <a:xfrm>
+            <a:off x="206436" y="1219199"/>
+            <a:ext cx="8229600" cy="1713676"/>
+          </a:xfrm>
+          <a:noFill/>
+          <a:extLst>
+            <a:ext uri="{909E8E84-426E-40DD-AFC4-6F175D3DCCD1}">
+              <a14:hiddenFill xmlns:a14="http://schemas.microsoft.com/office/drawing/2010/main">
+                <a:solidFill>
+                  <a:srgbClr val="FFFFFF"/>
+                </a:solidFill>
+              </a14:hiddenFill>
+            </a:ext>
+            <a:ext uri="{91240B29-F687-4F45-9708-019B960494DF}">
+              <a14:hiddenLine xmlns:a14="http://schemas.microsoft.com/office/drawing/2010/main" w="9525">
+                <a:solidFill>
+                  <a:srgbClr val="000000"/>
+                </a:solidFill>
+                <a:miter lim="800000"/>
+                <a:headEnd/>
+                <a:tailEnd/>
+              </a14:hiddenLine>
+            </a:ext>
+          </a:extLst>
+        </p:spPr>
+        <p:txBody>
+          <a:bodyPr vert="horz" wrap="square" lIns="91440" tIns="45720" rIns="91440" bIns="45720" numCol="1" anchor="t" anchorCtr="0" compatLnSpc="1">
+            <a:prstTxWarp prst="textNoShape">
+              <a:avLst/>
+            </a:prstTxWarp>
+          </a:bodyPr>
+          <a:lstStyle/>
+          <a:p>
+            <a:r>
+              <a:rPr lang="en-US" altLang="en-US" dirty="0">
+                <a:solidFill>
+                  <a:schemeClr val="bg1"/>
+                </a:solidFill>
+                <a:ea typeface="ヒラギノ角ゴ Pro W3"/>
+                <a:cs typeface="Lucida Sans" panose="020B0602040502020204" pitchFamily="34" charset="0"/>
+              </a:rPr>
               <a:t>Data Query</a:t>
             </a:r>
           </a:p>
@@ -25245,7 +25413,7 @@
 </p:sld>
 </file>
 
-<file path=ppt/slides/slide21.xml><?xml version="1.0" encoding="utf-8"?>
+<file path=ppt/slides/slide22.xml><?xml version="1.0" encoding="utf-8"?>
 <p:sld xmlns:a="http://schemas.openxmlformats.org/drawingml/2006/main" xmlns:r="http://schemas.openxmlformats.org/officeDocument/2006/relationships" xmlns:p="http://schemas.openxmlformats.org/presentationml/2006/main">
   <p:cSld>
     <p:spTree>
@@ -25503,7 +25671,7 @@
 </p:sld>
 </file>
 
-<file path=ppt/slides/slide22.xml><?xml version="1.0" encoding="utf-8"?>
+<file path=ppt/slides/slide23.xml><?xml version="1.0" encoding="utf-8"?>
 <p:sld xmlns:a="http://schemas.openxmlformats.org/drawingml/2006/main" xmlns:r="http://schemas.openxmlformats.org/officeDocument/2006/relationships" xmlns:p="http://schemas.openxmlformats.org/presentationml/2006/main">
   <p:cSld>
     <p:spTree>
@@ -25933,7 +26101,7 @@
 </p:sld>
 </file>
 
-<file path=ppt/slides/slide23.xml><?xml version="1.0" encoding="utf-8"?>
+<file path=ppt/slides/slide24.xml><?xml version="1.0" encoding="utf-8"?>
 <p:sld xmlns:a="http://schemas.openxmlformats.org/drawingml/2006/main" xmlns:r="http://schemas.openxmlformats.org/officeDocument/2006/relationships" xmlns:p="http://schemas.openxmlformats.org/presentationml/2006/main">
   <p:cSld>
     <p:spTree>
@@ -26311,7 +26479,7 @@
 </p:sld>
 </file>
 
-<file path=ppt/slides/slide24.xml><?xml version="1.0" encoding="utf-8"?>
+<file path=ppt/slides/slide25.xml><?xml version="1.0" encoding="utf-8"?>
 <p:sld xmlns:a="http://schemas.openxmlformats.org/drawingml/2006/main" xmlns:r="http://schemas.openxmlformats.org/officeDocument/2006/relationships" xmlns:p="http://schemas.openxmlformats.org/presentationml/2006/main">
   <p:cSld>
     <p:spTree>
@@ -26616,7 +26784,7 @@
 </p:sld>
 </file>
 
-<file path=ppt/slides/slide25.xml><?xml version="1.0" encoding="utf-8"?>
+<file path=ppt/slides/slide26.xml><?xml version="1.0" encoding="utf-8"?>
 <p:sld xmlns:a="http://schemas.openxmlformats.org/drawingml/2006/main" xmlns:r="http://schemas.openxmlformats.org/officeDocument/2006/relationships" xmlns:p="http://schemas.openxmlformats.org/presentationml/2006/main">
   <p:cSld>
     <p:spTree>
@@ -27981,7 +28149,7 @@
 </p:sld>
 </file>
 
-<file path=ppt/slides/slide26.xml><?xml version="1.0" encoding="utf-8"?>
+<file path=ppt/slides/slide27.xml><?xml version="1.0" encoding="utf-8"?>
 <p:sld xmlns:a="http://schemas.openxmlformats.org/drawingml/2006/main" xmlns:r="http://schemas.openxmlformats.org/officeDocument/2006/relationships" xmlns:p="http://schemas.openxmlformats.org/presentationml/2006/main">
   <p:cSld>
     <p:spTree>
@@ -28374,7 +28542,7 @@
 </p:sld>
 </file>
 
-<file path=ppt/slides/slide27.xml><?xml version="1.0" encoding="utf-8"?>
+<file path=ppt/slides/slide28.xml><?xml version="1.0" encoding="utf-8"?>
 <p:sld xmlns:a="http://schemas.openxmlformats.org/drawingml/2006/main" xmlns:r="http://schemas.openxmlformats.org/officeDocument/2006/relationships" xmlns:p="http://schemas.openxmlformats.org/presentationml/2006/main">
   <p:cSld>
     <p:spTree>
@@ -28668,7 +28836,7 @@
 </p:sld>
 </file>
 
-<file path=ppt/slides/slide28.xml><?xml version="1.0" encoding="utf-8"?>
+<file path=ppt/slides/slide29.xml><?xml version="1.0" encoding="utf-8"?>
 <p:sld xmlns:a="http://schemas.openxmlformats.org/drawingml/2006/main" xmlns:r="http://schemas.openxmlformats.org/officeDocument/2006/relationships" xmlns:p="http://schemas.openxmlformats.org/presentationml/2006/main">
   <p:cSld>
     <p:spTree>
@@ -28839,179 +29007,6 @@
     <p:extLst>
       <p:ext uri="{BB962C8B-B14F-4D97-AF65-F5344CB8AC3E}">
         <p14:creationId xmlns:p14="http://schemas.microsoft.com/office/powerpoint/2010/main" val="706252466"/>
-      </p:ext>
-    </p:extLst>
-  </p:cSld>
-  <p:clrMapOvr>
-    <a:masterClrMapping/>
-  </p:clrMapOvr>
-</p:sld>
-</file>
-
-<file path=ppt/slides/slide29.xml><?xml version="1.0" encoding="utf-8"?>
-<p:sld xmlns:a="http://schemas.openxmlformats.org/drawingml/2006/main" xmlns:r="http://schemas.openxmlformats.org/officeDocument/2006/relationships" xmlns:p="http://schemas.openxmlformats.org/presentationml/2006/main">
-  <p:cSld>
-    <p:spTree>
-      <p:nvGrpSpPr>
-        <p:cNvPr id="1" name=""/>
-        <p:cNvGrpSpPr/>
-        <p:nvPr/>
-      </p:nvGrpSpPr>
-      <p:grpSpPr>
-        <a:xfrm>
-          <a:off x="0" y="0"/>
-          <a:ext cx="0" cy="0"/>
-          <a:chOff x="0" y="0"/>
-          <a:chExt cx="0" cy="0"/>
-        </a:xfrm>
-      </p:grpSpPr>
-      <p:sp>
-        <p:nvSpPr>
-          <p:cNvPr id="2" name="Title 1"/>
-          <p:cNvSpPr>
-            <a:spLocks noGrp="1"/>
-          </p:cNvSpPr>
-          <p:nvPr>
-            <p:ph type="title"/>
-          </p:nvPr>
-        </p:nvSpPr>
-        <p:spPr/>
-        <p:txBody>
-          <a:bodyPr/>
-          <a:lstStyle/>
-          <a:p>
-            <a:r>
-              <a:rPr lang="en-SG" dirty="0"/>
-              <a:t>Discussion</a:t>
-            </a:r>
-          </a:p>
-        </p:txBody>
-      </p:sp>
-      <p:sp>
-        <p:nvSpPr>
-          <p:cNvPr id="3" name="Content Placeholder 2"/>
-          <p:cNvSpPr>
-            <a:spLocks noGrp="1"/>
-          </p:cNvSpPr>
-          <p:nvPr>
-            <p:ph idx="1"/>
-          </p:nvPr>
-        </p:nvSpPr>
-        <p:spPr/>
-        <p:txBody>
-          <a:bodyPr/>
-          <a:lstStyle/>
-          <a:p>
-            <a:pPr marL="354013" indent="-354013">
-              <a:buFont typeface="Arial" panose="020B0604020202020204" pitchFamily="34" charset="0"/>
-              <a:buChar char="•"/>
-            </a:pPr>
-            <a:r>
-              <a:rPr lang="en-US" dirty="0"/>
-              <a:t>Why is it better to print the result of an SQL query as a pandas DataFrame rather than using the </a:t>
-            </a:r>
-            <a:r>
-              <a:rPr lang="en-US" dirty="0">
-                <a:solidFill>
-                  <a:schemeClr val="tx2"/>
-                </a:solidFill>
-                <a:latin typeface="Consolas" panose="020B0609020204030204" pitchFamily="49" charset="0"/>
-              </a:rPr>
-              <a:t>.</a:t>
-            </a:r>
-            <a:r>
-              <a:rPr lang="en-US" dirty="0" err="1">
-                <a:solidFill>
-                  <a:schemeClr val="tx2"/>
-                </a:solidFill>
-                <a:latin typeface="Consolas" panose="020B0609020204030204" pitchFamily="49" charset="0"/>
-              </a:rPr>
-              <a:t>fetchone</a:t>
-            </a:r>
-            <a:r>
-              <a:rPr lang="en-US" dirty="0">
-                <a:solidFill>
-                  <a:schemeClr val="tx2"/>
-                </a:solidFill>
-                <a:latin typeface="Consolas" panose="020B0609020204030204" pitchFamily="49" charset="0"/>
-              </a:rPr>
-              <a:t>()</a:t>
-            </a:r>
-            <a:r>
-              <a:rPr lang="en-US" dirty="0"/>
-              <a:t> or </a:t>
-            </a:r>
-            <a:r>
-              <a:rPr lang="en-US" dirty="0">
-                <a:solidFill>
-                  <a:schemeClr val="tx2"/>
-                </a:solidFill>
-                <a:latin typeface="Consolas" panose="020B0609020204030204" pitchFamily="49" charset="0"/>
-              </a:rPr>
-              <a:t>.</a:t>
-            </a:r>
-            <a:r>
-              <a:rPr lang="en-US" dirty="0" err="1">
-                <a:solidFill>
-                  <a:schemeClr val="tx2"/>
-                </a:solidFill>
-                <a:latin typeface="Consolas" panose="020B0609020204030204" pitchFamily="49" charset="0"/>
-              </a:rPr>
-              <a:t>fetchall</a:t>
-            </a:r>
-            <a:r>
-              <a:rPr lang="en-US" dirty="0">
-                <a:solidFill>
-                  <a:schemeClr val="tx2"/>
-                </a:solidFill>
-                <a:latin typeface="Consolas" panose="020B0609020204030204" pitchFamily="49" charset="0"/>
-              </a:rPr>
-              <a:t>()</a:t>
-            </a:r>
-            <a:r>
-              <a:rPr lang="en-US" dirty="0"/>
-              <a:t> methods?</a:t>
-            </a:r>
-          </a:p>
-          <a:p>
-            <a:pPr marL="354013" indent="-354013">
-              <a:buFont typeface="Arial" panose="020B0604020202020204" pitchFamily="34" charset="0"/>
-              <a:buChar char="•"/>
-            </a:pPr>
-            <a:r>
-              <a:rPr lang="en-US" dirty="0"/>
-              <a:t>How can Python programming be helpful in constructing flexible </a:t>
-            </a:r>
-            <a:r>
-              <a:rPr lang="en-US" dirty="0">
-                <a:solidFill>
-                  <a:schemeClr val="tx2"/>
-                </a:solidFill>
-                <a:latin typeface="Consolas" panose="020B0609020204030204" pitchFamily="49" charset="0"/>
-              </a:rPr>
-              <a:t>SELECT</a:t>
-            </a:r>
-            <a:r>
-              <a:rPr lang="en-US" dirty="0"/>
-              <a:t> statement for data query?</a:t>
-            </a:r>
-          </a:p>
-          <a:p>
-            <a:pPr marL="354013" indent="-354013">
-              <a:buFont typeface="Arial" panose="020B0604020202020204" pitchFamily="34" charset="0"/>
-              <a:buChar char="•"/>
-            </a:pPr>
-            <a:endParaRPr lang="en-US" dirty="0"/>
-          </a:p>
-        </p:txBody>
-      </p:sp>
-    </p:spTree>
-    <p:custDataLst>
-      <p:tags r:id="rId1"/>
-    </p:custDataLst>
-    <p:extLst>
-      <p:ext uri="{BB962C8B-B14F-4D97-AF65-F5344CB8AC3E}">
-        <p14:creationId xmlns:p14="http://schemas.microsoft.com/office/powerpoint/2010/main" val="226659192"/>
       </p:ext>
     </p:extLst>
   </p:cSld>
@@ -29275,6 +29270,179 @@
       </p:grpSpPr>
       <p:sp>
         <p:nvSpPr>
+          <p:cNvPr id="2" name="Title 1"/>
+          <p:cNvSpPr>
+            <a:spLocks noGrp="1"/>
+          </p:cNvSpPr>
+          <p:nvPr>
+            <p:ph type="title"/>
+          </p:nvPr>
+        </p:nvSpPr>
+        <p:spPr/>
+        <p:txBody>
+          <a:bodyPr/>
+          <a:lstStyle/>
+          <a:p>
+            <a:r>
+              <a:rPr lang="en-SG" dirty="0"/>
+              <a:t>Discussion</a:t>
+            </a:r>
+          </a:p>
+        </p:txBody>
+      </p:sp>
+      <p:sp>
+        <p:nvSpPr>
+          <p:cNvPr id="3" name="Content Placeholder 2"/>
+          <p:cNvSpPr>
+            <a:spLocks noGrp="1"/>
+          </p:cNvSpPr>
+          <p:nvPr>
+            <p:ph idx="1"/>
+          </p:nvPr>
+        </p:nvSpPr>
+        <p:spPr/>
+        <p:txBody>
+          <a:bodyPr/>
+          <a:lstStyle/>
+          <a:p>
+            <a:pPr marL="354013" indent="-354013">
+              <a:buFont typeface="Arial" panose="020B0604020202020204" pitchFamily="34" charset="0"/>
+              <a:buChar char="•"/>
+            </a:pPr>
+            <a:r>
+              <a:rPr lang="en-US" dirty="0"/>
+              <a:t>Why is it better to print the result of an SQL query as a pandas DataFrame rather than using the </a:t>
+            </a:r>
+            <a:r>
+              <a:rPr lang="en-US" dirty="0">
+                <a:solidFill>
+                  <a:schemeClr val="tx2"/>
+                </a:solidFill>
+                <a:latin typeface="Consolas" panose="020B0609020204030204" pitchFamily="49" charset="0"/>
+              </a:rPr>
+              <a:t>.</a:t>
+            </a:r>
+            <a:r>
+              <a:rPr lang="en-US" dirty="0" err="1">
+                <a:solidFill>
+                  <a:schemeClr val="tx2"/>
+                </a:solidFill>
+                <a:latin typeface="Consolas" panose="020B0609020204030204" pitchFamily="49" charset="0"/>
+              </a:rPr>
+              <a:t>fetchone</a:t>
+            </a:r>
+            <a:r>
+              <a:rPr lang="en-US" dirty="0">
+                <a:solidFill>
+                  <a:schemeClr val="tx2"/>
+                </a:solidFill>
+                <a:latin typeface="Consolas" panose="020B0609020204030204" pitchFamily="49" charset="0"/>
+              </a:rPr>
+              <a:t>()</a:t>
+            </a:r>
+            <a:r>
+              <a:rPr lang="en-US" dirty="0"/>
+              <a:t> or </a:t>
+            </a:r>
+            <a:r>
+              <a:rPr lang="en-US" dirty="0">
+                <a:solidFill>
+                  <a:schemeClr val="tx2"/>
+                </a:solidFill>
+                <a:latin typeface="Consolas" panose="020B0609020204030204" pitchFamily="49" charset="0"/>
+              </a:rPr>
+              <a:t>.</a:t>
+            </a:r>
+            <a:r>
+              <a:rPr lang="en-US" dirty="0" err="1">
+                <a:solidFill>
+                  <a:schemeClr val="tx2"/>
+                </a:solidFill>
+                <a:latin typeface="Consolas" panose="020B0609020204030204" pitchFamily="49" charset="0"/>
+              </a:rPr>
+              <a:t>fetchall</a:t>
+            </a:r>
+            <a:r>
+              <a:rPr lang="en-US" dirty="0">
+                <a:solidFill>
+                  <a:schemeClr val="tx2"/>
+                </a:solidFill>
+                <a:latin typeface="Consolas" panose="020B0609020204030204" pitchFamily="49" charset="0"/>
+              </a:rPr>
+              <a:t>()</a:t>
+            </a:r>
+            <a:r>
+              <a:rPr lang="en-US" dirty="0"/>
+              <a:t> methods?</a:t>
+            </a:r>
+          </a:p>
+          <a:p>
+            <a:pPr marL="354013" indent="-354013">
+              <a:buFont typeface="Arial" panose="020B0604020202020204" pitchFamily="34" charset="0"/>
+              <a:buChar char="•"/>
+            </a:pPr>
+            <a:r>
+              <a:rPr lang="en-US" dirty="0"/>
+              <a:t>How can Python programming be helpful in constructing flexible </a:t>
+            </a:r>
+            <a:r>
+              <a:rPr lang="en-US" dirty="0">
+                <a:solidFill>
+                  <a:schemeClr val="tx2"/>
+                </a:solidFill>
+                <a:latin typeface="Consolas" panose="020B0609020204030204" pitchFamily="49" charset="0"/>
+              </a:rPr>
+              <a:t>SELECT</a:t>
+            </a:r>
+            <a:r>
+              <a:rPr lang="en-US" dirty="0"/>
+              <a:t> statement for data query?</a:t>
+            </a:r>
+          </a:p>
+          <a:p>
+            <a:pPr marL="354013" indent="-354013">
+              <a:buFont typeface="Arial" panose="020B0604020202020204" pitchFamily="34" charset="0"/>
+              <a:buChar char="•"/>
+            </a:pPr>
+            <a:endParaRPr lang="en-US" dirty="0"/>
+          </a:p>
+        </p:txBody>
+      </p:sp>
+    </p:spTree>
+    <p:custDataLst>
+      <p:tags r:id="rId1"/>
+    </p:custDataLst>
+    <p:extLst>
+      <p:ext uri="{BB962C8B-B14F-4D97-AF65-F5344CB8AC3E}">
+        <p14:creationId xmlns:p14="http://schemas.microsoft.com/office/powerpoint/2010/main" val="226659192"/>
+      </p:ext>
+    </p:extLst>
+  </p:cSld>
+  <p:clrMapOvr>
+    <a:masterClrMapping/>
+  </p:clrMapOvr>
+</p:sld>
+</file>
+
+<file path=ppt/slides/slide31.xml><?xml version="1.0" encoding="utf-8"?>
+<p:sld xmlns:a="http://schemas.openxmlformats.org/drawingml/2006/main" xmlns:r="http://schemas.openxmlformats.org/officeDocument/2006/relationships" xmlns:p="http://schemas.openxmlformats.org/presentationml/2006/main">
+  <p:cSld>
+    <p:spTree>
+      <p:nvGrpSpPr>
+        <p:cNvPr id="1" name=""/>
+        <p:cNvGrpSpPr/>
+        <p:nvPr/>
+      </p:nvGrpSpPr>
+      <p:grpSpPr>
+        <a:xfrm>
+          <a:off x="0" y="0"/>
+          <a:ext cx="0" cy="0"/>
+          <a:chOff x="0" y="0"/>
+          <a:chExt cx="0" cy="0"/>
+        </a:xfrm>
+      </p:grpSpPr>
+      <p:sp>
+        <p:nvSpPr>
           <p:cNvPr id="5122" name="Title 1">
             <a:extLst>
               <a:ext uri="{FF2B5EF4-FFF2-40B4-BE49-F238E27FC236}">
@@ -29352,7 +29520,7 @@
 </p:sld>
 </file>
 
-<file path=ppt/slides/slide31.xml><?xml version="1.0" encoding="utf-8"?>
+<file path=ppt/slides/slide32.xml><?xml version="1.0" encoding="utf-8"?>
 <p:sld xmlns:a="http://schemas.openxmlformats.org/drawingml/2006/main" xmlns:r="http://schemas.openxmlformats.org/officeDocument/2006/relationships" xmlns:p="http://schemas.openxmlformats.org/presentationml/2006/main">
   <p:cSld>
     <p:spTree>
@@ -29854,7 +30022,7 @@
 </p:sld>
 </file>
 
-<file path=ppt/slides/slide32.xml><?xml version="1.0" encoding="utf-8"?>
+<file path=ppt/slides/slide33.xml><?xml version="1.0" encoding="utf-8"?>
 <p:sld xmlns:a="http://schemas.openxmlformats.org/drawingml/2006/main" xmlns:r="http://schemas.openxmlformats.org/officeDocument/2006/relationships" xmlns:p="http://schemas.openxmlformats.org/presentationml/2006/main">
   <p:cSld>
     <p:spTree>
@@ -30310,7 +30478,7 @@
 </p:sld>
 </file>
 
-<file path=ppt/slides/slide33.xml><?xml version="1.0" encoding="utf-8"?>
+<file path=ppt/slides/slide34.xml><?xml version="1.0" encoding="utf-8"?>
 <p:sld xmlns:a="http://schemas.openxmlformats.org/drawingml/2006/main" xmlns:r="http://schemas.openxmlformats.org/officeDocument/2006/relationships" xmlns:p="http://schemas.openxmlformats.org/presentationml/2006/main">
   <p:cSld>
     <p:spTree>
@@ -30590,7 +30758,7 @@
 </p:sld>
 </file>
 
-<file path=ppt/slides/slide34.xml><?xml version="1.0" encoding="utf-8"?>
+<file path=ppt/slides/slide35.xml><?xml version="1.0" encoding="utf-8"?>
 <p:sld xmlns:a="http://schemas.openxmlformats.org/drawingml/2006/main" xmlns:r="http://schemas.openxmlformats.org/officeDocument/2006/relationships" xmlns:p="http://schemas.openxmlformats.org/presentationml/2006/main">
   <p:cSld>
     <p:spTree>
@@ -31274,7 +31442,7 @@
 </p:sld>
 </file>
 
-<file path=ppt/slides/slide35.xml><?xml version="1.0" encoding="utf-8"?>
+<file path=ppt/slides/slide36.xml><?xml version="1.0" encoding="utf-8"?>
 <p:sld xmlns:a="http://schemas.openxmlformats.org/drawingml/2006/main" xmlns:r="http://schemas.openxmlformats.org/officeDocument/2006/relationships" xmlns:p="http://schemas.openxmlformats.org/presentationml/2006/main">
   <p:cSld>
     <p:spTree>
@@ -31554,7 +31722,7 @@
 </p:sld>
 </file>
 
-<file path=ppt/slides/slide36.xml><?xml version="1.0" encoding="utf-8"?>
+<file path=ppt/slides/slide37.xml><?xml version="1.0" encoding="utf-8"?>
 <p:sld xmlns:a="http://schemas.openxmlformats.org/drawingml/2006/main" xmlns:r="http://schemas.openxmlformats.org/officeDocument/2006/relationships" xmlns:p="http://schemas.openxmlformats.org/presentationml/2006/main">
   <p:cSld>
     <p:spTree>
@@ -31900,7 +32068,7 @@
 </p:sld>
 </file>
 
-<file path=ppt/slides/slide37.xml><?xml version="1.0" encoding="utf-8"?>
+<file path=ppt/slides/slide38.xml><?xml version="1.0" encoding="utf-8"?>
 <p:sld xmlns:a="http://schemas.openxmlformats.org/drawingml/2006/main" xmlns:r="http://schemas.openxmlformats.org/officeDocument/2006/relationships" xmlns:p="http://schemas.openxmlformats.org/presentationml/2006/main">
   <p:cSld>
     <p:spTree>
@@ -32416,7 +32584,7 @@
 </p:sld>
 </file>
 
-<file path=ppt/slides/slide38.xml><?xml version="1.0" encoding="utf-8"?>
+<file path=ppt/slides/slide39.xml><?xml version="1.0" encoding="utf-8"?>
 <p:sld xmlns:a="http://schemas.openxmlformats.org/drawingml/2006/main" xmlns:r="http://schemas.openxmlformats.org/officeDocument/2006/relationships" xmlns:p="http://schemas.openxmlformats.org/presentationml/2006/main">
   <p:cSld>
     <p:spTree>
@@ -32687,176 +32855,6 @@
     <p:extLst>
       <p:ext uri="{BB962C8B-B14F-4D97-AF65-F5344CB8AC3E}">
         <p14:creationId xmlns:p14="http://schemas.microsoft.com/office/powerpoint/2010/main" val="2808020591"/>
-      </p:ext>
-    </p:extLst>
-  </p:cSld>
-  <p:clrMapOvr>
-    <a:masterClrMapping/>
-  </p:clrMapOvr>
-</p:sld>
-</file>
-
-<file path=ppt/slides/slide39.xml><?xml version="1.0" encoding="utf-8"?>
-<p:sld xmlns:a="http://schemas.openxmlformats.org/drawingml/2006/main" xmlns:r="http://schemas.openxmlformats.org/officeDocument/2006/relationships" xmlns:p="http://schemas.openxmlformats.org/presentationml/2006/main">
-  <p:cSld>
-    <p:spTree>
-      <p:nvGrpSpPr>
-        <p:cNvPr id="1" name=""/>
-        <p:cNvGrpSpPr/>
-        <p:nvPr/>
-      </p:nvGrpSpPr>
-      <p:grpSpPr>
-        <a:xfrm>
-          <a:off x="0" y="0"/>
-          <a:ext cx="0" cy="0"/>
-          <a:chOff x="0" y="0"/>
-          <a:chExt cx="0" cy="0"/>
-        </a:xfrm>
-      </p:grpSpPr>
-      <p:sp>
-        <p:nvSpPr>
-          <p:cNvPr id="6" name="Content Placeholder 5"/>
-          <p:cNvSpPr>
-            <a:spLocks noGrp="1"/>
-          </p:cNvSpPr>
-          <p:nvPr>
-            <p:ph idx="1"/>
-          </p:nvPr>
-        </p:nvSpPr>
-        <p:spPr>
-          <a:xfrm>
-            <a:off x="492133" y="1256579"/>
-            <a:ext cx="8468334" cy="4570289"/>
-          </a:xfrm>
-        </p:spPr>
-        <p:txBody>
-          <a:bodyPr>
-            <a:normAutofit/>
-          </a:bodyPr>
-          <a:lstStyle/>
-          <a:p>
-            <a:pPr algn="just"/>
-            <a:r>
-              <a:rPr lang="en-US" i="1" u="sng" dirty="0"/>
-              <a:t>Car sales program:</a:t>
-            </a:r>
-          </a:p>
-          <a:p>
-            <a:pPr algn="just"/>
-            <a:r>
-              <a:rPr lang="en-US" dirty="0">
-                <a:solidFill>
-                  <a:schemeClr val="tx1"/>
-                </a:solidFill>
-              </a:rPr>
-              <a:t>Carry out the following tasks in JupyterLab using SQL statements:</a:t>
-            </a:r>
-          </a:p>
-          <a:p>
-            <a:pPr marL="342900" indent="-342900" algn="just">
-              <a:buFont typeface="Arial" panose="020B0604020202020204" pitchFamily="34" charset="0"/>
-              <a:buChar char="•"/>
-            </a:pPr>
-            <a:r>
-              <a:rPr lang="en-US" dirty="0"/>
-              <a:t>Join the tables “</a:t>
-            </a:r>
-            <a:r>
-              <a:rPr lang="en-US" dirty="0" err="1"/>
-              <a:t>car_model</a:t>
-            </a:r>
-            <a:r>
-              <a:rPr lang="en-US" dirty="0"/>
-              <a:t>”, “</a:t>
-            </a:r>
-            <a:r>
-              <a:rPr lang="en-US" dirty="0" err="1"/>
-              <a:t>car_price</a:t>
-            </a:r>
-            <a:r>
-              <a:rPr lang="en-US" dirty="0"/>
-              <a:t>” and “</a:t>
-            </a:r>
-            <a:r>
-              <a:rPr lang="en-US" dirty="0" err="1"/>
-              <a:t>car_purchase</a:t>
-            </a:r>
-            <a:r>
-              <a:rPr lang="en-US" dirty="0"/>
-              <a:t>” such that we can determine the difference between the purchase price and selling price.</a:t>
-            </a:r>
-          </a:p>
-          <a:p>
-            <a:pPr marL="342900" indent="-342900" algn="just">
-              <a:buFont typeface="Arial" panose="020B0604020202020204" pitchFamily="34" charset="0"/>
-              <a:buChar char="•"/>
-            </a:pPr>
-            <a:r>
-              <a:rPr lang="en-US" dirty="0"/>
-              <a:t>Join the tables “</a:t>
-            </a:r>
-            <a:r>
-              <a:rPr lang="en-US" dirty="0" err="1"/>
-              <a:t>car_model</a:t>
-            </a:r>
-            <a:r>
-              <a:rPr lang="en-US" dirty="0"/>
-              <a:t>”, “</a:t>
-            </a:r>
-            <a:r>
-              <a:rPr lang="en-US" dirty="0" err="1"/>
-              <a:t>car_price</a:t>
-            </a:r>
-            <a:r>
-              <a:rPr lang="en-US" dirty="0"/>
-              <a:t>” and “</a:t>
-            </a:r>
-            <a:r>
-              <a:rPr lang="en-US" dirty="0" err="1"/>
-              <a:t>car_purchase</a:t>
-            </a:r>
-            <a:r>
-              <a:rPr lang="en-US" dirty="0"/>
-              <a:t>” such that we can determine some statistics on the customer satisfaction for each car category.</a:t>
-            </a:r>
-          </a:p>
-        </p:txBody>
-      </p:sp>
-      <p:sp>
-        <p:nvSpPr>
-          <p:cNvPr id="3" name="Title 2">
-            <a:extLst>
-              <a:ext uri="{FF2B5EF4-FFF2-40B4-BE49-F238E27FC236}">
-                <a16:creationId xmlns:a16="http://schemas.microsoft.com/office/drawing/2014/main" id="{0A99B643-6127-4AF4-B3E6-9F913F39A1AA}"/>
-              </a:ext>
-            </a:extLst>
-          </p:cNvPr>
-          <p:cNvSpPr>
-            <a:spLocks noGrp="1"/>
-          </p:cNvSpPr>
-          <p:nvPr>
-            <p:ph type="title"/>
-          </p:nvPr>
-        </p:nvSpPr>
-        <p:spPr/>
-        <p:txBody>
-          <a:bodyPr/>
-          <a:lstStyle/>
-          <a:p>
-            <a:r>
-              <a:rPr lang="en-SG" dirty="0"/>
-              <a:t>Activity</a:t>
-            </a:r>
-          </a:p>
-        </p:txBody>
-      </p:sp>
-    </p:spTree>
-    <p:custDataLst>
-      <p:tags r:id="rId1"/>
-    </p:custDataLst>
-    <p:extLst>
-      <p:ext uri="{BB962C8B-B14F-4D97-AF65-F5344CB8AC3E}">
-        <p14:creationId xmlns:p14="http://schemas.microsoft.com/office/powerpoint/2010/main" val="3514756382"/>
       </p:ext>
     </p:extLst>
   </p:cSld>
@@ -33005,6 +33003,176 @@
       </p:grpSpPr>
       <p:sp>
         <p:nvSpPr>
+          <p:cNvPr id="6" name="Content Placeholder 5"/>
+          <p:cNvSpPr>
+            <a:spLocks noGrp="1"/>
+          </p:cNvSpPr>
+          <p:nvPr>
+            <p:ph idx="1"/>
+          </p:nvPr>
+        </p:nvSpPr>
+        <p:spPr>
+          <a:xfrm>
+            <a:off x="492133" y="1256579"/>
+            <a:ext cx="8468334" cy="4570289"/>
+          </a:xfrm>
+        </p:spPr>
+        <p:txBody>
+          <a:bodyPr>
+            <a:normAutofit/>
+          </a:bodyPr>
+          <a:lstStyle/>
+          <a:p>
+            <a:pPr algn="just"/>
+            <a:r>
+              <a:rPr lang="en-US" i="1" u="sng" dirty="0"/>
+              <a:t>Car sales program:</a:t>
+            </a:r>
+          </a:p>
+          <a:p>
+            <a:pPr algn="just"/>
+            <a:r>
+              <a:rPr lang="en-US" dirty="0">
+                <a:solidFill>
+                  <a:schemeClr val="tx1"/>
+                </a:solidFill>
+              </a:rPr>
+              <a:t>Carry out the following tasks in JupyterLab using SQL statements:</a:t>
+            </a:r>
+          </a:p>
+          <a:p>
+            <a:pPr marL="342900" indent="-342900" algn="just">
+              <a:buFont typeface="Arial" panose="020B0604020202020204" pitchFamily="34" charset="0"/>
+              <a:buChar char="•"/>
+            </a:pPr>
+            <a:r>
+              <a:rPr lang="en-US" dirty="0"/>
+              <a:t>Join the tables “</a:t>
+            </a:r>
+            <a:r>
+              <a:rPr lang="en-US" dirty="0" err="1"/>
+              <a:t>car_model</a:t>
+            </a:r>
+            <a:r>
+              <a:rPr lang="en-US" dirty="0"/>
+              <a:t>”, “</a:t>
+            </a:r>
+            <a:r>
+              <a:rPr lang="en-US" dirty="0" err="1"/>
+              <a:t>car_price</a:t>
+            </a:r>
+            <a:r>
+              <a:rPr lang="en-US" dirty="0"/>
+              <a:t>” and “</a:t>
+            </a:r>
+            <a:r>
+              <a:rPr lang="en-US" dirty="0" err="1"/>
+              <a:t>car_purchase</a:t>
+            </a:r>
+            <a:r>
+              <a:rPr lang="en-US" dirty="0"/>
+              <a:t>” such that we can determine the difference between the purchase price and selling price.</a:t>
+            </a:r>
+          </a:p>
+          <a:p>
+            <a:pPr marL="342900" indent="-342900" algn="just">
+              <a:buFont typeface="Arial" panose="020B0604020202020204" pitchFamily="34" charset="0"/>
+              <a:buChar char="•"/>
+            </a:pPr>
+            <a:r>
+              <a:rPr lang="en-US" dirty="0"/>
+              <a:t>Join the tables “</a:t>
+            </a:r>
+            <a:r>
+              <a:rPr lang="en-US" dirty="0" err="1"/>
+              <a:t>car_model</a:t>
+            </a:r>
+            <a:r>
+              <a:rPr lang="en-US" dirty="0"/>
+              <a:t>”, “</a:t>
+            </a:r>
+            <a:r>
+              <a:rPr lang="en-US" dirty="0" err="1"/>
+              <a:t>car_price</a:t>
+            </a:r>
+            <a:r>
+              <a:rPr lang="en-US" dirty="0"/>
+              <a:t>” and “</a:t>
+            </a:r>
+            <a:r>
+              <a:rPr lang="en-US" dirty="0" err="1"/>
+              <a:t>car_purchase</a:t>
+            </a:r>
+            <a:r>
+              <a:rPr lang="en-US" dirty="0"/>
+              <a:t>” such that we can determine some statistics on the customer satisfaction for each car category.</a:t>
+            </a:r>
+          </a:p>
+        </p:txBody>
+      </p:sp>
+      <p:sp>
+        <p:nvSpPr>
+          <p:cNvPr id="3" name="Title 2">
+            <a:extLst>
+              <a:ext uri="{FF2B5EF4-FFF2-40B4-BE49-F238E27FC236}">
+                <a16:creationId xmlns:a16="http://schemas.microsoft.com/office/drawing/2014/main" id="{0A99B643-6127-4AF4-B3E6-9F913F39A1AA}"/>
+              </a:ext>
+            </a:extLst>
+          </p:cNvPr>
+          <p:cNvSpPr>
+            <a:spLocks noGrp="1"/>
+          </p:cNvSpPr>
+          <p:nvPr>
+            <p:ph type="title"/>
+          </p:nvPr>
+        </p:nvSpPr>
+        <p:spPr/>
+        <p:txBody>
+          <a:bodyPr/>
+          <a:lstStyle/>
+          <a:p>
+            <a:r>
+              <a:rPr lang="en-SG" dirty="0"/>
+              <a:t>Activity</a:t>
+            </a:r>
+          </a:p>
+        </p:txBody>
+      </p:sp>
+    </p:spTree>
+    <p:custDataLst>
+      <p:tags r:id="rId1"/>
+    </p:custDataLst>
+    <p:extLst>
+      <p:ext uri="{BB962C8B-B14F-4D97-AF65-F5344CB8AC3E}">
+        <p14:creationId xmlns:p14="http://schemas.microsoft.com/office/powerpoint/2010/main" val="3514756382"/>
+      </p:ext>
+    </p:extLst>
+  </p:cSld>
+  <p:clrMapOvr>
+    <a:masterClrMapping/>
+  </p:clrMapOvr>
+</p:sld>
+</file>
+
+<file path=ppt/slides/slide41.xml><?xml version="1.0" encoding="utf-8"?>
+<p:sld xmlns:a="http://schemas.openxmlformats.org/drawingml/2006/main" xmlns:r="http://schemas.openxmlformats.org/officeDocument/2006/relationships" xmlns:p="http://schemas.openxmlformats.org/presentationml/2006/main">
+  <p:cSld>
+    <p:spTree>
+      <p:nvGrpSpPr>
+        <p:cNvPr id="1" name=""/>
+        <p:cNvGrpSpPr/>
+        <p:nvPr/>
+      </p:nvGrpSpPr>
+      <p:grpSpPr>
+        <a:xfrm>
+          <a:off x="0" y="0"/>
+          <a:ext cx="0" cy="0"/>
+          <a:chOff x="0" y="0"/>
+          <a:chExt cx="0" cy="0"/>
+        </a:xfrm>
+      </p:grpSpPr>
+      <p:sp>
+        <p:nvSpPr>
           <p:cNvPr id="2" name="Title 1"/>
           <p:cNvSpPr>
             <a:spLocks noGrp="1"/>
@@ -33103,7 +33271,7 @@
 </p:sld>
 </file>
 
-<file path=ppt/slides/slide41.xml><?xml version="1.0" encoding="utf-8"?>
+<file path=ppt/slides/slide42.xml><?xml version="1.0" encoding="utf-8"?>
 <p:sld xmlns:a="http://schemas.openxmlformats.org/drawingml/2006/main" xmlns:r="http://schemas.openxmlformats.org/officeDocument/2006/relationships" xmlns:p="http://schemas.openxmlformats.org/presentationml/2006/main">
   <p:cSld>
     <p:spTree>
@@ -33199,7 +33367,7 @@
 </p:sld>
 </file>
 
-<file path=ppt/slides/slide42.xml><?xml version="1.0" encoding="utf-8"?>
+<file path=ppt/slides/slide43.xml><?xml version="1.0" encoding="utf-8"?>
 <p:sld xmlns:a="http://schemas.openxmlformats.org/drawingml/2006/main" xmlns:r="http://schemas.openxmlformats.org/officeDocument/2006/relationships" xmlns:p="http://schemas.openxmlformats.org/presentationml/2006/main">
   <p:cSld>
     <p:spTree>
@@ -33645,7 +33813,7 @@
 </p:sld>
 </file>
 
-<file path=ppt/slides/slide43.xml><?xml version="1.0" encoding="utf-8"?>
+<file path=ppt/slides/slide44.xml><?xml version="1.0" encoding="utf-8"?>
 <p:sld xmlns:a="http://schemas.openxmlformats.org/drawingml/2006/main" xmlns:r="http://schemas.openxmlformats.org/officeDocument/2006/relationships" xmlns:p="http://schemas.openxmlformats.org/presentationml/2006/main">
   <p:cSld>
     <p:spTree>
@@ -34559,7 +34727,7 @@
 </p:sld>
 </file>
 
-<file path=ppt/slides/slide44.xml><?xml version="1.0" encoding="utf-8"?>
+<file path=ppt/slides/slide45.xml><?xml version="1.0" encoding="utf-8"?>
 <p:sld xmlns:a="http://schemas.openxmlformats.org/drawingml/2006/main" xmlns:r="http://schemas.openxmlformats.org/officeDocument/2006/relationships" xmlns:p="http://schemas.openxmlformats.org/presentationml/2006/main">
   <p:cSld>
     <p:spTree>
@@ -35105,7 +35273,7 @@
 </p:sld>
 </file>
 
-<file path=ppt/slides/slide45.xml><?xml version="1.0" encoding="utf-8"?>
+<file path=ppt/slides/slide46.xml><?xml version="1.0" encoding="utf-8"?>
 <p:sld xmlns:a="http://schemas.openxmlformats.org/drawingml/2006/main" xmlns:r="http://schemas.openxmlformats.org/officeDocument/2006/relationships" xmlns:p="http://schemas.openxmlformats.org/presentationml/2006/main">
   <p:cSld>
     <p:spTree>
@@ -35250,7 +35418,7 @@
 </p:sld>
 </file>
 
-<file path=ppt/slides/slide46.xml><?xml version="1.0" encoding="utf-8"?>
+<file path=ppt/slides/slide47.xml><?xml version="1.0" encoding="utf-8"?>
 <p:sld xmlns:a="http://schemas.openxmlformats.org/drawingml/2006/main" xmlns:r="http://schemas.openxmlformats.org/officeDocument/2006/relationships" xmlns:p="http://schemas.openxmlformats.org/presentationml/2006/main">
   <p:cSld>
     <p:spTree>
@@ -35435,7 +35603,7 @@
 </p:sld>
 </file>
 
-<file path=ppt/slides/slide47.xml><?xml version="1.0" encoding="utf-8"?>
+<file path=ppt/slides/slide48.xml><?xml version="1.0" encoding="utf-8"?>
 <p:sld xmlns:a="http://schemas.openxmlformats.org/drawingml/2006/main" xmlns:r="http://schemas.openxmlformats.org/officeDocument/2006/relationships" xmlns:p="http://schemas.openxmlformats.org/presentationml/2006/main">
   <p:cSld>
     <p:spTree>
@@ -35531,7 +35699,7 @@
 </p:sld>
 </file>
 
-<file path=ppt/slides/slide48.xml><?xml version="1.0" encoding="utf-8"?>
+<file path=ppt/slides/slide49.xml><?xml version="1.0" encoding="utf-8"?>
 <p:sld xmlns:a="http://schemas.openxmlformats.org/drawingml/2006/main" xmlns:r="http://schemas.openxmlformats.org/officeDocument/2006/relationships" xmlns:p="http://schemas.openxmlformats.org/presentationml/2006/main">
   <p:cSld>
     <p:spTree>
@@ -35927,431 +36095,6 @@
     <p:extLst>
       <p:ext uri="{BB962C8B-B14F-4D97-AF65-F5344CB8AC3E}">
         <p14:creationId xmlns:p14="http://schemas.microsoft.com/office/powerpoint/2010/main" val="1402384609"/>
-      </p:ext>
-    </p:extLst>
-  </p:cSld>
-  <p:clrMapOvr>
-    <a:masterClrMapping/>
-  </p:clrMapOvr>
-</p:sld>
-</file>
-
-<file path=ppt/slides/slide49.xml><?xml version="1.0" encoding="utf-8"?>
-<p:sld xmlns:a="http://schemas.openxmlformats.org/drawingml/2006/main" xmlns:r="http://schemas.openxmlformats.org/officeDocument/2006/relationships" xmlns:p="http://schemas.openxmlformats.org/presentationml/2006/main">
-  <p:cSld>
-    <p:spTree>
-      <p:nvGrpSpPr>
-        <p:cNvPr id="1" name=""/>
-        <p:cNvGrpSpPr/>
-        <p:nvPr/>
-      </p:nvGrpSpPr>
-      <p:grpSpPr>
-        <a:xfrm>
-          <a:off x="0" y="0"/>
-          <a:ext cx="0" cy="0"/>
-          <a:chOff x="0" y="0"/>
-          <a:chExt cx="0" cy="0"/>
-        </a:xfrm>
-      </p:grpSpPr>
-      <p:sp>
-        <p:nvSpPr>
-          <p:cNvPr id="2" name="Title 1"/>
-          <p:cNvSpPr>
-            <a:spLocks noGrp="1"/>
-          </p:cNvSpPr>
-          <p:nvPr>
-            <p:ph type="title"/>
-          </p:nvPr>
-        </p:nvSpPr>
-        <p:spPr/>
-        <p:txBody>
-          <a:bodyPr/>
-          <a:lstStyle/>
-          <a:p>
-            <a:r>
-              <a:rPr lang="en-SG" dirty="0"/>
-              <a:t>Update Records</a:t>
-            </a:r>
-          </a:p>
-        </p:txBody>
-      </p:sp>
-      <p:sp>
-        <p:nvSpPr>
-          <p:cNvPr id="3" name="Content Placeholder 2"/>
-          <p:cNvSpPr>
-            <a:spLocks noGrp="1"/>
-          </p:cNvSpPr>
-          <p:nvPr>
-            <p:ph idx="1"/>
-          </p:nvPr>
-        </p:nvSpPr>
-        <p:spPr>
-          <a:xfrm>
-            <a:off x="457200" y="1305232"/>
-            <a:ext cx="8229600" cy="4525963"/>
-          </a:xfrm>
-        </p:spPr>
-        <p:txBody>
-          <a:bodyPr/>
-          <a:lstStyle/>
-          <a:p>
-            <a:pPr marL="354013" indent="-354013">
-              <a:buFont typeface="Arial" panose="020B0604020202020204" pitchFamily="34" charset="0"/>
-              <a:buChar char="•"/>
-            </a:pPr>
-            <a:r>
-              <a:rPr lang="en-US" dirty="0"/>
-              <a:t>Update or edit data of existing records by the </a:t>
-            </a:r>
-            <a:r>
-              <a:rPr lang="en-US" dirty="0">
-                <a:solidFill>
-                  <a:schemeClr val="tx2"/>
-                </a:solidFill>
-                <a:latin typeface="Consolas" panose="020B0609020204030204" pitchFamily="49" charset="0"/>
-              </a:rPr>
-              <a:t>UPDATE</a:t>
-            </a:r>
-            <a:r>
-              <a:rPr lang="en-US" dirty="0"/>
-              <a:t> statement.</a:t>
-            </a:r>
-          </a:p>
-          <a:p>
-            <a:pPr marL="354013" indent="-354013">
-              <a:buFont typeface="Arial" panose="020B0604020202020204" pitchFamily="34" charset="0"/>
-              <a:buChar char="•"/>
-            </a:pPr>
-            <a:endParaRPr lang="en-US" dirty="0"/>
-          </a:p>
-          <a:p>
-            <a:pPr marL="354013" indent="-354013">
-              <a:buFont typeface="Arial" panose="020B0604020202020204" pitchFamily="34" charset="0"/>
-              <a:buChar char="•"/>
-            </a:pPr>
-            <a:endParaRPr lang="en-US" dirty="0"/>
-          </a:p>
-          <a:p>
-            <a:pPr marL="354013" indent="-354013">
-              <a:buFont typeface="Arial" panose="020B0604020202020204" pitchFamily="34" charset="0"/>
-              <a:buChar char="•"/>
-            </a:pPr>
-            <a:r>
-              <a:rPr lang="en-US" dirty="0"/>
-              <a:t>We need to state certain conditions in a </a:t>
-            </a:r>
-            <a:r>
-              <a:rPr lang="en-US" dirty="0">
-                <a:solidFill>
-                  <a:schemeClr val="tx2"/>
-                </a:solidFill>
-                <a:latin typeface="Consolas" panose="020B0609020204030204" pitchFamily="49" charset="0"/>
-              </a:rPr>
-              <a:t>WHERE</a:t>
-            </a:r>
-            <a:r>
-              <a:rPr lang="en-US" dirty="0"/>
-              <a:t> clause which must be fulfilled by a record in order to get itself updated. </a:t>
-            </a:r>
-          </a:p>
-          <a:p>
-            <a:pPr marL="354013" indent="-354013">
-              <a:buFont typeface="Arial" panose="020B0604020202020204" pitchFamily="34" charset="0"/>
-              <a:buChar char="•"/>
-            </a:pPr>
-            <a:r>
-              <a:rPr lang="en-US" dirty="0"/>
-              <a:t>If the condition is true for more than one records, all of them will be modified simultaneously. </a:t>
-            </a:r>
-          </a:p>
-          <a:p>
-            <a:pPr marL="354013" indent="-354013">
-              <a:buFont typeface="Arial" panose="020B0604020202020204" pitchFamily="34" charset="0"/>
-              <a:buChar char="•"/>
-            </a:pPr>
-            <a:r>
-              <a:rPr lang="en-US" dirty="0"/>
-              <a:t>All records in the table will be updated if the </a:t>
-            </a:r>
-            <a:r>
-              <a:rPr lang="en-US" dirty="0">
-                <a:solidFill>
-                  <a:schemeClr val="tx2"/>
-                </a:solidFill>
-                <a:latin typeface="Consolas" panose="020B0609020204030204" pitchFamily="49" charset="0"/>
-              </a:rPr>
-              <a:t>WHERE</a:t>
-            </a:r>
-            <a:r>
-              <a:rPr lang="en-US" dirty="0"/>
-              <a:t> clause is omitted.</a:t>
-            </a:r>
-          </a:p>
-          <a:p>
-            <a:pPr marL="354013" indent="-354013">
-              <a:buFont typeface="Arial" panose="020B0604020202020204" pitchFamily="34" charset="0"/>
-              <a:buChar char="•"/>
-            </a:pPr>
-            <a:r>
-              <a:rPr lang="en-US" dirty="0"/>
-              <a:t>Specify the columns to be updated and their new values by the keyword </a:t>
-            </a:r>
-            <a:r>
-              <a:rPr lang="en-US" dirty="0">
-                <a:solidFill>
-                  <a:schemeClr val="tx2"/>
-                </a:solidFill>
-                <a:latin typeface="Consolas" panose="020B0609020204030204" pitchFamily="49" charset="0"/>
-              </a:rPr>
-              <a:t>SET</a:t>
-            </a:r>
-            <a:r>
-              <a:rPr lang="en-US" dirty="0"/>
-              <a:t>.</a:t>
-            </a:r>
-          </a:p>
-        </p:txBody>
-      </p:sp>
-      <p:sp>
-        <p:nvSpPr>
-          <p:cNvPr id="5" name="Rectangle 4">
-            <a:extLst>
-              <a:ext uri="{FF2B5EF4-FFF2-40B4-BE49-F238E27FC236}">
-                <a16:creationId xmlns:a16="http://schemas.microsoft.com/office/drawing/2014/main" id="{05F265B0-DB57-47C7-8399-8F6780621020}"/>
-              </a:ext>
-            </a:extLst>
-          </p:cNvPr>
-          <p:cNvSpPr/>
-          <p:nvPr/>
-        </p:nvSpPr>
-        <p:spPr>
-          <a:xfrm>
-            <a:off x="457199" y="1693506"/>
-            <a:ext cx="8229599" cy="931708"/>
-          </a:xfrm>
-          <a:prstGeom prst="rect">
-            <a:avLst/>
-          </a:prstGeom>
-        </p:spPr>
-        <p:style>
-          <a:lnRef idx="2">
-            <a:schemeClr val="accent1"/>
-          </a:lnRef>
-          <a:fillRef idx="1">
-            <a:schemeClr val="lt1"/>
-          </a:fillRef>
-          <a:effectRef idx="0">
-            <a:schemeClr val="accent1"/>
-          </a:effectRef>
-          <a:fontRef idx="minor">
-            <a:schemeClr val="dk1"/>
-          </a:fontRef>
-        </p:style>
-        <p:txBody>
-          <a:bodyPr lIns="72000" tIns="36000" rIns="72000" bIns="36000" rtlCol="0" anchor="ctr"/>
-          <a:lstStyle/>
-          <a:p>
-            <a:pPr marL="982663"/>
-            <a:r>
-              <a:rPr lang="en-GB" sz="2000" dirty="0">
-                <a:effectLst/>
-                <a:latin typeface="Consolas" panose="020B0609020204030204" pitchFamily="49" charset="0"/>
-                <a:ea typeface="SimSun" panose="02010600030101010101" pitchFamily="2" charset="-122"/>
-                <a:cs typeface="Times New Roman" panose="02020603050405020304" pitchFamily="18" charset="0"/>
-              </a:rPr>
-              <a:t>UPDATE </a:t>
-            </a:r>
-            <a:r>
-              <a:rPr lang="en-GB" sz="2000" dirty="0" err="1">
-                <a:solidFill>
-                  <a:srgbClr val="0070C0"/>
-                </a:solidFill>
-                <a:effectLst/>
-                <a:latin typeface="Consolas" panose="020B0609020204030204" pitchFamily="49" charset="0"/>
-                <a:ea typeface="SimSun" panose="02010600030101010101" pitchFamily="2" charset="-122"/>
-                <a:cs typeface="Times New Roman" panose="02020603050405020304" pitchFamily="18" charset="0"/>
-              </a:rPr>
-              <a:t>table_name</a:t>
-            </a:r>
-            <a:r>
-              <a:rPr lang="en-GB" sz="2000" dirty="0">
-                <a:effectLst/>
-                <a:latin typeface="Consolas" panose="020B0609020204030204" pitchFamily="49" charset="0"/>
-                <a:ea typeface="SimSun" panose="02010600030101010101" pitchFamily="2" charset="-122"/>
-                <a:cs typeface="Times New Roman" panose="02020603050405020304" pitchFamily="18" charset="0"/>
-              </a:rPr>
-              <a:t> </a:t>
-            </a:r>
-            <a:br>
-              <a:rPr lang="en-GB" sz="2000" dirty="0">
-                <a:effectLst/>
-                <a:latin typeface="Consolas" panose="020B0609020204030204" pitchFamily="49" charset="0"/>
-                <a:ea typeface="SimSun" panose="02010600030101010101" pitchFamily="2" charset="-122"/>
-                <a:cs typeface="Times New Roman" panose="02020603050405020304" pitchFamily="18" charset="0"/>
-              </a:rPr>
-            </a:br>
-            <a:r>
-              <a:rPr lang="en-GB" sz="2000" dirty="0">
-                <a:effectLst/>
-                <a:latin typeface="Consolas" panose="020B0609020204030204" pitchFamily="49" charset="0"/>
-                <a:ea typeface="SimSun" panose="02010600030101010101" pitchFamily="2" charset="-122"/>
-                <a:cs typeface="Times New Roman" panose="02020603050405020304" pitchFamily="18" charset="0"/>
-              </a:rPr>
-              <a:t>SET </a:t>
-            </a:r>
-            <a:r>
-              <a:rPr lang="en-GB" sz="2000" dirty="0">
-                <a:solidFill>
-                  <a:srgbClr val="0070C0"/>
-                </a:solidFill>
-                <a:effectLst/>
-                <a:latin typeface="Consolas" panose="020B0609020204030204" pitchFamily="49" charset="0"/>
-                <a:ea typeface="SimSun" panose="02010600030101010101" pitchFamily="2" charset="-122"/>
-                <a:cs typeface="Times New Roman" panose="02020603050405020304" pitchFamily="18" charset="0"/>
-              </a:rPr>
-              <a:t>var1_name</a:t>
-            </a:r>
-            <a:r>
-              <a:rPr lang="en-GB" sz="2000" dirty="0">
-                <a:effectLst/>
-                <a:latin typeface="Consolas" panose="020B0609020204030204" pitchFamily="49" charset="0"/>
-                <a:ea typeface="SimSun" panose="02010600030101010101" pitchFamily="2" charset="-122"/>
-                <a:cs typeface="Times New Roman" panose="02020603050405020304" pitchFamily="18" charset="0"/>
-              </a:rPr>
-              <a:t> = </a:t>
-            </a:r>
-            <a:r>
-              <a:rPr lang="en-GB" sz="2000" dirty="0">
-                <a:solidFill>
-                  <a:srgbClr val="0070C0"/>
-                </a:solidFill>
-                <a:effectLst/>
-                <a:latin typeface="Consolas" panose="020B0609020204030204" pitchFamily="49" charset="0"/>
-                <a:ea typeface="SimSun" panose="02010600030101010101" pitchFamily="2" charset="-122"/>
-                <a:cs typeface="Times New Roman" panose="02020603050405020304" pitchFamily="18" charset="0"/>
-              </a:rPr>
-              <a:t>value1</a:t>
-            </a:r>
-            <a:r>
-              <a:rPr lang="en-GB" sz="2000" dirty="0">
-                <a:effectLst/>
-                <a:latin typeface="Consolas" panose="020B0609020204030204" pitchFamily="49" charset="0"/>
-                <a:ea typeface="SimSun" panose="02010600030101010101" pitchFamily="2" charset="-122"/>
-                <a:cs typeface="Times New Roman" panose="02020603050405020304" pitchFamily="18" charset="0"/>
-              </a:rPr>
-              <a:t>,</a:t>
-            </a:r>
-            <a:r>
-              <a:rPr lang="en-GB" sz="2000" dirty="0">
-                <a:solidFill>
-                  <a:srgbClr val="0070C0"/>
-                </a:solidFill>
-                <a:effectLst/>
-                <a:latin typeface="Consolas" panose="020B0609020204030204" pitchFamily="49" charset="0"/>
-                <a:ea typeface="SimSun" panose="02010600030101010101" pitchFamily="2" charset="-122"/>
-                <a:cs typeface="Times New Roman" panose="02020603050405020304" pitchFamily="18" charset="0"/>
-              </a:rPr>
-              <a:t> var2_name</a:t>
-            </a:r>
-            <a:r>
-              <a:rPr lang="en-GB" sz="2000" dirty="0">
-                <a:effectLst/>
-                <a:latin typeface="Consolas" panose="020B0609020204030204" pitchFamily="49" charset="0"/>
-                <a:ea typeface="SimSun" panose="02010600030101010101" pitchFamily="2" charset="-122"/>
-                <a:cs typeface="Times New Roman" panose="02020603050405020304" pitchFamily="18" charset="0"/>
-              </a:rPr>
-              <a:t> = </a:t>
-            </a:r>
-            <a:r>
-              <a:rPr lang="en-GB" sz="2000" dirty="0">
-                <a:solidFill>
-                  <a:srgbClr val="0070C0"/>
-                </a:solidFill>
-                <a:effectLst/>
-                <a:latin typeface="Consolas" panose="020B0609020204030204" pitchFamily="49" charset="0"/>
-                <a:ea typeface="SimSun" panose="02010600030101010101" pitchFamily="2" charset="-122"/>
-                <a:cs typeface="Times New Roman" panose="02020603050405020304" pitchFamily="18" charset="0"/>
-              </a:rPr>
-              <a:t>value2</a:t>
-            </a:r>
-            <a:r>
-              <a:rPr lang="en-GB" sz="2000" dirty="0">
-                <a:effectLst/>
-                <a:latin typeface="Consolas" panose="020B0609020204030204" pitchFamily="49" charset="0"/>
-                <a:ea typeface="SimSun" panose="02010600030101010101" pitchFamily="2" charset="-122"/>
-                <a:cs typeface="Times New Roman" panose="02020603050405020304" pitchFamily="18" charset="0"/>
-              </a:rPr>
-              <a:t>,</a:t>
-            </a:r>
-            <a:r>
-              <a:rPr lang="en-GB" sz="2000" dirty="0">
-                <a:solidFill>
-                  <a:srgbClr val="0070C0"/>
-                </a:solidFill>
-                <a:effectLst/>
-                <a:latin typeface="Consolas" panose="020B0609020204030204" pitchFamily="49" charset="0"/>
-                <a:ea typeface="SimSun" panose="02010600030101010101" pitchFamily="2" charset="-122"/>
-                <a:cs typeface="Times New Roman" panose="02020603050405020304" pitchFamily="18" charset="0"/>
-              </a:rPr>
-              <a:t> …</a:t>
-            </a:r>
-            <a:br>
-              <a:rPr lang="en-GB" sz="2000" dirty="0">
-                <a:effectLst/>
-                <a:latin typeface="Consolas" panose="020B0609020204030204" pitchFamily="49" charset="0"/>
-                <a:ea typeface="SimSun" panose="02010600030101010101" pitchFamily="2" charset="-122"/>
-                <a:cs typeface="Times New Roman" panose="02020603050405020304" pitchFamily="18" charset="0"/>
-              </a:rPr>
-            </a:br>
-            <a:r>
-              <a:rPr lang="en-GB" sz="2000" dirty="0">
-                <a:effectLst/>
-                <a:latin typeface="Consolas" panose="020B0609020204030204" pitchFamily="49" charset="0"/>
-                <a:ea typeface="SimSun" panose="02010600030101010101" pitchFamily="2" charset="-122"/>
-                <a:cs typeface="Times New Roman" panose="02020603050405020304" pitchFamily="18" charset="0"/>
-              </a:rPr>
-              <a:t>WHERE </a:t>
-            </a:r>
-            <a:r>
-              <a:rPr lang="en-GB" sz="2000" dirty="0">
-                <a:solidFill>
-                  <a:srgbClr val="0070C0"/>
-                </a:solidFill>
-                <a:effectLst/>
-                <a:latin typeface="Consolas" panose="020B0609020204030204" pitchFamily="49" charset="0"/>
-                <a:ea typeface="SimSun" panose="02010600030101010101" pitchFamily="2" charset="-122"/>
-                <a:cs typeface="Times New Roman" panose="02020603050405020304" pitchFamily="18" charset="0"/>
-              </a:rPr>
-              <a:t>condition</a:t>
-            </a:r>
-            <a:r>
-              <a:rPr lang="en-GB" sz="2000" dirty="0">
-                <a:effectLst/>
-                <a:latin typeface="Consolas" panose="020B0609020204030204" pitchFamily="49" charset="0"/>
-                <a:ea typeface="SimSun" panose="02010600030101010101" pitchFamily="2" charset="-122"/>
-                <a:cs typeface="Times New Roman" panose="02020603050405020304" pitchFamily="18" charset="0"/>
-              </a:rPr>
-              <a:t>;</a:t>
-            </a:r>
-            <a:endParaRPr lang="en-US" sz="3200" dirty="0">
-              <a:solidFill>
-                <a:schemeClr val="tx1"/>
-              </a:solidFill>
-              <a:effectLst/>
-              <a:latin typeface="Consolas" panose="020B0609020204030204" pitchFamily="49" charset="0"/>
-              <a:ea typeface="SimSun" panose="02010600030101010101" pitchFamily="2" charset="-122"/>
-              <a:cs typeface="Times New Roman" panose="02020603050405020304" pitchFamily="18" charset="0"/>
-            </a:endParaRPr>
-          </a:p>
-        </p:txBody>
-      </p:sp>
-    </p:spTree>
-    <p:custDataLst>
-      <p:tags r:id="rId1"/>
-    </p:custDataLst>
-    <p:extLst>
-      <p:ext uri="{BB962C8B-B14F-4D97-AF65-F5344CB8AC3E}">
-        <p14:creationId xmlns:p14="http://schemas.microsoft.com/office/powerpoint/2010/main" val="3275310144"/>
       </p:ext>
     </p:extLst>
   </p:cSld>
@@ -36510,6 +36253,431 @@
           <a:p>
             <a:r>
               <a:rPr lang="en-SG" dirty="0"/>
+              <a:t>Update Records</a:t>
+            </a:r>
+          </a:p>
+        </p:txBody>
+      </p:sp>
+      <p:sp>
+        <p:nvSpPr>
+          <p:cNvPr id="3" name="Content Placeholder 2"/>
+          <p:cNvSpPr>
+            <a:spLocks noGrp="1"/>
+          </p:cNvSpPr>
+          <p:nvPr>
+            <p:ph idx="1"/>
+          </p:nvPr>
+        </p:nvSpPr>
+        <p:spPr>
+          <a:xfrm>
+            <a:off x="457200" y="1305232"/>
+            <a:ext cx="8229600" cy="4525963"/>
+          </a:xfrm>
+        </p:spPr>
+        <p:txBody>
+          <a:bodyPr/>
+          <a:lstStyle/>
+          <a:p>
+            <a:pPr marL="354013" indent="-354013">
+              <a:buFont typeface="Arial" panose="020B0604020202020204" pitchFamily="34" charset="0"/>
+              <a:buChar char="•"/>
+            </a:pPr>
+            <a:r>
+              <a:rPr lang="en-US" dirty="0"/>
+              <a:t>Update or edit data of existing records by the </a:t>
+            </a:r>
+            <a:r>
+              <a:rPr lang="en-US" dirty="0">
+                <a:solidFill>
+                  <a:schemeClr val="tx2"/>
+                </a:solidFill>
+                <a:latin typeface="Consolas" panose="020B0609020204030204" pitchFamily="49" charset="0"/>
+              </a:rPr>
+              <a:t>UPDATE</a:t>
+            </a:r>
+            <a:r>
+              <a:rPr lang="en-US" dirty="0"/>
+              <a:t> statement.</a:t>
+            </a:r>
+          </a:p>
+          <a:p>
+            <a:pPr marL="354013" indent="-354013">
+              <a:buFont typeface="Arial" panose="020B0604020202020204" pitchFamily="34" charset="0"/>
+              <a:buChar char="•"/>
+            </a:pPr>
+            <a:endParaRPr lang="en-US" dirty="0"/>
+          </a:p>
+          <a:p>
+            <a:pPr marL="354013" indent="-354013">
+              <a:buFont typeface="Arial" panose="020B0604020202020204" pitchFamily="34" charset="0"/>
+              <a:buChar char="•"/>
+            </a:pPr>
+            <a:endParaRPr lang="en-US" dirty="0"/>
+          </a:p>
+          <a:p>
+            <a:pPr marL="354013" indent="-354013">
+              <a:buFont typeface="Arial" panose="020B0604020202020204" pitchFamily="34" charset="0"/>
+              <a:buChar char="•"/>
+            </a:pPr>
+            <a:r>
+              <a:rPr lang="en-US" dirty="0"/>
+              <a:t>We need to state certain conditions in a </a:t>
+            </a:r>
+            <a:r>
+              <a:rPr lang="en-US" dirty="0">
+                <a:solidFill>
+                  <a:schemeClr val="tx2"/>
+                </a:solidFill>
+                <a:latin typeface="Consolas" panose="020B0609020204030204" pitchFamily="49" charset="0"/>
+              </a:rPr>
+              <a:t>WHERE</a:t>
+            </a:r>
+            <a:r>
+              <a:rPr lang="en-US" dirty="0"/>
+              <a:t> clause which must be fulfilled by a record in order to get itself updated. </a:t>
+            </a:r>
+          </a:p>
+          <a:p>
+            <a:pPr marL="354013" indent="-354013">
+              <a:buFont typeface="Arial" panose="020B0604020202020204" pitchFamily="34" charset="0"/>
+              <a:buChar char="•"/>
+            </a:pPr>
+            <a:r>
+              <a:rPr lang="en-US" dirty="0"/>
+              <a:t>If the condition is true for more than one records, all of them will be modified simultaneously. </a:t>
+            </a:r>
+          </a:p>
+          <a:p>
+            <a:pPr marL="354013" indent="-354013">
+              <a:buFont typeface="Arial" panose="020B0604020202020204" pitchFamily="34" charset="0"/>
+              <a:buChar char="•"/>
+            </a:pPr>
+            <a:r>
+              <a:rPr lang="en-US" dirty="0"/>
+              <a:t>All records in the table will be updated if the </a:t>
+            </a:r>
+            <a:r>
+              <a:rPr lang="en-US" dirty="0">
+                <a:solidFill>
+                  <a:schemeClr val="tx2"/>
+                </a:solidFill>
+                <a:latin typeface="Consolas" panose="020B0609020204030204" pitchFamily="49" charset="0"/>
+              </a:rPr>
+              <a:t>WHERE</a:t>
+            </a:r>
+            <a:r>
+              <a:rPr lang="en-US" dirty="0"/>
+              <a:t> clause is omitted.</a:t>
+            </a:r>
+          </a:p>
+          <a:p>
+            <a:pPr marL="354013" indent="-354013">
+              <a:buFont typeface="Arial" panose="020B0604020202020204" pitchFamily="34" charset="0"/>
+              <a:buChar char="•"/>
+            </a:pPr>
+            <a:r>
+              <a:rPr lang="en-US" dirty="0"/>
+              <a:t>Specify the columns to be updated and their new values by the keyword </a:t>
+            </a:r>
+            <a:r>
+              <a:rPr lang="en-US" dirty="0">
+                <a:solidFill>
+                  <a:schemeClr val="tx2"/>
+                </a:solidFill>
+                <a:latin typeface="Consolas" panose="020B0609020204030204" pitchFamily="49" charset="0"/>
+              </a:rPr>
+              <a:t>SET</a:t>
+            </a:r>
+            <a:r>
+              <a:rPr lang="en-US" dirty="0"/>
+              <a:t>.</a:t>
+            </a:r>
+          </a:p>
+        </p:txBody>
+      </p:sp>
+      <p:sp>
+        <p:nvSpPr>
+          <p:cNvPr id="5" name="Rectangle 4">
+            <a:extLst>
+              <a:ext uri="{FF2B5EF4-FFF2-40B4-BE49-F238E27FC236}">
+                <a16:creationId xmlns:a16="http://schemas.microsoft.com/office/drawing/2014/main" id="{05F265B0-DB57-47C7-8399-8F6780621020}"/>
+              </a:ext>
+            </a:extLst>
+          </p:cNvPr>
+          <p:cNvSpPr/>
+          <p:nvPr/>
+        </p:nvSpPr>
+        <p:spPr>
+          <a:xfrm>
+            <a:off x="457199" y="1693506"/>
+            <a:ext cx="8229599" cy="931708"/>
+          </a:xfrm>
+          <a:prstGeom prst="rect">
+            <a:avLst/>
+          </a:prstGeom>
+        </p:spPr>
+        <p:style>
+          <a:lnRef idx="2">
+            <a:schemeClr val="accent1"/>
+          </a:lnRef>
+          <a:fillRef idx="1">
+            <a:schemeClr val="lt1"/>
+          </a:fillRef>
+          <a:effectRef idx="0">
+            <a:schemeClr val="accent1"/>
+          </a:effectRef>
+          <a:fontRef idx="minor">
+            <a:schemeClr val="dk1"/>
+          </a:fontRef>
+        </p:style>
+        <p:txBody>
+          <a:bodyPr lIns="72000" tIns="36000" rIns="72000" bIns="36000" rtlCol="0" anchor="ctr"/>
+          <a:lstStyle/>
+          <a:p>
+            <a:pPr marL="982663"/>
+            <a:r>
+              <a:rPr lang="en-GB" sz="2000" dirty="0">
+                <a:effectLst/>
+                <a:latin typeface="Consolas" panose="020B0609020204030204" pitchFamily="49" charset="0"/>
+                <a:ea typeface="SimSun" panose="02010600030101010101" pitchFamily="2" charset="-122"/>
+                <a:cs typeface="Times New Roman" panose="02020603050405020304" pitchFamily="18" charset="0"/>
+              </a:rPr>
+              <a:t>UPDATE </a:t>
+            </a:r>
+            <a:r>
+              <a:rPr lang="en-GB" sz="2000" dirty="0" err="1">
+                <a:solidFill>
+                  <a:srgbClr val="0070C0"/>
+                </a:solidFill>
+                <a:effectLst/>
+                <a:latin typeface="Consolas" panose="020B0609020204030204" pitchFamily="49" charset="0"/>
+                <a:ea typeface="SimSun" panose="02010600030101010101" pitchFamily="2" charset="-122"/>
+                <a:cs typeface="Times New Roman" panose="02020603050405020304" pitchFamily="18" charset="0"/>
+              </a:rPr>
+              <a:t>table_name</a:t>
+            </a:r>
+            <a:r>
+              <a:rPr lang="en-GB" sz="2000" dirty="0">
+                <a:effectLst/>
+                <a:latin typeface="Consolas" panose="020B0609020204030204" pitchFamily="49" charset="0"/>
+                <a:ea typeface="SimSun" panose="02010600030101010101" pitchFamily="2" charset="-122"/>
+                <a:cs typeface="Times New Roman" panose="02020603050405020304" pitchFamily="18" charset="0"/>
+              </a:rPr>
+              <a:t> </a:t>
+            </a:r>
+            <a:br>
+              <a:rPr lang="en-GB" sz="2000" dirty="0">
+                <a:effectLst/>
+                <a:latin typeface="Consolas" panose="020B0609020204030204" pitchFamily="49" charset="0"/>
+                <a:ea typeface="SimSun" panose="02010600030101010101" pitchFamily="2" charset="-122"/>
+                <a:cs typeface="Times New Roman" panose="02020603050405020304" pitchFamily="18" charset="0"/>
+              </a:rPr>
+            </a:br>
+            <a:r>
+              <a:rPr lang="en-GB" sz="2000" dirty="0">
+                <a:effectLst/>
+                <a:latin typeface="Consolas" panose="020B0609020204030204" pitchFamily="49" charset="0"/>
+                <a:ea typeface="SimSun" panose="02010600030101010101" pitchFamily="2" charset="-122"/>
+                <a:cs typeface="Times New Roman" panose="02020603050405020304" pitchFamily="18" charset="0"/>
+              </a:rPr>
+              <a:t>SET </a:t>
+            </a:r>
+            <a:r>
+              <a:rPr lang="en-GB" sz="2000" dirty="0">
+                <a:solidFill>
+                  <a:srgbClr val="0070C0"/>
+                </a:solidFill>
+                <a:effectLst/>
+                <a:latin typeface="Consolas" panose="020B0609020204030204" pitchFamily="49" charset="0"/>
+                <a:ea typeface="SimSun" panose="02010600030101010101" pitchFamily="2" charset="-122"/>
+                <a:cs typeface="Times New Roman" panose="02020603050405020304" pitchFamily="18" charset="0"/>
+              </a:rPr>
+              <a:t>var1_name</a:t>
+            </a:r>
+            <a:r>
+              <a:rPr lang="en-GB" sz="2000" dirty="0">
+                <a:effectLst/>
+                <a:latin typeface="Consolas" panose="020B0609020204030204" pitchFamily="49" charset="0"/>
+                <a:ea typeface="SimSun" panose="02010600030101010101" pitchFamily="2" charset="-122"/>
+                <a:cs typeface="Times New Roman" panose="02020603050405020304" pitchFamily="18" charset="0"/>
+              </a:rPr>
+              <a:t> = </a:t>
+            </a:r>
+            <a:r>
+              <a:rPr lang="en-GB" sz="2000" dirty="0">
+                <a:solidFill>
+                  <a:srgbClr val="0070C0"/>
+                </a:solidFill>
+                <a:effectLst/>
+                <a:latin typeface="Consolas" panose="020B0609020204030204" pitchFamily="49" charset="0"/>
+                <a:ea typeface="SimSun" panose="02010600030101010101" pitchFamily="2" charset="-122"/>
+                <a:cs typeface="Times New Roman" panose="02020603050405020304" pitchFamily="18" charset="0"/>
+              </a:rPr>
+              <a:t>value1</a:t>
+            </a:r>
+            <a:r>
+              <a:rPr lang="en-GB" sz="2000" dirty="0">
+                <a:effectLst/>
+                <a:latin typeface="Consolas" panose="020B0609020204030204" pitchFamily="49" charset="0"/>
+                <a:ea typeface="SimSun" panose="02010600030101010101" pitchFamily="2" charset="-122"/>
+                <a:cs typeface="Times New Roman" panose="02020603050405020304" pitchFamily="18" charset="0"/>
+              </a:rPr>
+              <a:t>,</a:t>
+            </a:r>
+            <a:r>
+              <a:rPr lang="en-GB" sz="2000" dirty="0">
+                <a:solidFill>
+                  <a:srgbClr val="0070C0"/>
+                </a:solidFill>
+                <a:effectLst/>
+                <a:latin typeface="Consolas" panose="020B0609020204030204" pitchFamily="49" charset="0"/>
+                <a:ea typeface="SimSun" panose="02010600030101010101" pitchFamily="2" charset="-122"/>
+                <a:cs typeface="Times New Roman" panose="02020603050405020304" pitchFamily="18" charset="0"/>
+              </a:rPr>
+              <a:t> var2_name</a:t>
+            </a:r>
+            <a:r>
+              <a:rPr lang="en-GB" sz="2000" dirty="0">
+                <a:effectLst/>
+                <a:latin typeface="Consolas" panose="020B0609020204030204" pitchFamily="49" charset="0"/>
+                <a:ea typeface="SimSun" panose="02010600030101010101" pitchFamily="2" charset="-122"/>
+                <a:cs typeface="Times New Roman" panose="02020603050405020304" pitchFamily="18" charset="0"/>
+              </a:rPr>
+              <a:t> = </a:t>
+            </a:r>
+            <a:r>
+              <a:rPr lang="en-GB" sz="2000" dirty="0">
+                <a:solidFill>
+                  <a:srgbClr val="0070C0"/>
+                </a:solidFill>
+                <a:effectLst/>
+                <a:latin typeface="Consolas" panose="020B0609020204030204" pitchFamily="49" charset="0"/>
+                <a:ea typeface="SimSun" panose="02010600030101010101" pitchFamily="2" charset="-122"/>
+                <a:cs typeface="Times New Roman" panose="02020603050405020304" pitchFamily="18" charset="0"/>
+              </a:rPr>
+              <a:t>value2</a:t>
+            </a:r>
+            <a:r>
+              <a:rPr lang="en-GB" sz="2000" dirty="0">
+                <a:effectLst/>
+                <a:latin typeface="Consolas" panose="020B0609020204030204" pitchFamily="49" charset="0"/>
+                <a:ea typeface="SimSun" panose="02010600030101010101" pitchFamily="2" charset="-122"/>
+                <a:cs typeface="Times New Roman" panose="02020603050405020304" pitchFamily="18" charset="0"/>
+              </a:rPr>
+              <a:t>,</a:t>
+            </a:r>
+            <a:r>
+              <a:rPr lang="en-GB" sz="2000" dirty="0">
+                <a:solidFill>
+                  <a:srgbClr val="0070C0"/>
+                </a:solidFill>
+                <a:effectLst/>
+                <a:latin typeface="Consolas" panose="020B0609020204030204" pitchFamily="49" charset="0"/>
+                <a:ea typeface="SimSun" panose="02010600030101010101" pitchFamily="2" charset="-122"/>
+                <a:cs typeface="Times New Roman" panose="02020603050405020304" pitchFamily="18" charset="0"/>
+              </a:rPr>
+              <a:t> …</a:t>
+            </a:r>
+            <a:br>
+              <a:rPr lang="en-GB" sz="2000" dirty="0">
+                <a:effectLst/>
+                <a:latin typeface="Consolas" panose="020B0609020204030204" pitchFamily="49" charset="0"/>
+                <a:ea typeface="SimSun" panose="02010600030101010101" pitchFamily="2" charset="-122"/>
+                <a:cs typeface="Times New Roman" panose="02020603050405020304" pitchFamily="18" charset="0"/>
+              </a:rPr>
+            </a:br>
+            <a:r>
+              <a:rPr lang="en-GB" sz="2000" dirty="0">
+                <a:effectLst/>
+                <a:latin typeface="Consolas" panose="020B0609020204030204" pitchFamily="49" charset="0"/>
+                <a:ea typeface="SimSun" panose="02010600030101010101" pitchFamily="2" charset="-122"/>
+                <a:cs typeface="Times New Roman" panose="02020603050405020304" pitchFamily="18" charset="0"/>
+              </a:rPr>
+              <a:t>WHERE </a:t>
+            </a:r>
+            <a:r>
+              <a:rPr lang="en-GB" sz="2000" dirty="0">
+                <a:solidFill>
+                  <a:srgbClr val="0070C0"/>
+                </a:solidFill>
+                <a:effectLst/>
+                <a:latin typeface="Consolas" panose="020B0609020204030204" pitchFamily="49" charset="0"/>
+                <a:ea typeface="SimSun" panose="02010600030101010101" pitchFamily="2" charset="-122"/>
+                <a:cs typeface="Times New Roman" panose="02020603050405020304" pitchFamily="18" charset="0"/>
+              </a:rPr>
+              <a:t>condition</a:t>
+            </a:r>
+            <a:r>
+              <a:rPr lang="en-GB" sz="2000" dirty="0">
+                <a:effectLst/>
+                <a:latin typeface="Consolas" panose="020B0609020204030204" pitchFamily="49" charset="0"/>
+                <a:ea typeface="SimSun" panose="02010600030101010101" pitchFamily="2" charset="-122"/>
+                <a:cs typeface="Times New Roman" panose="02020603050405020304" pitchFamily="18" charset="0"/>
+              </a:rPr>
+              <a:t>;</a:t>
+            </a:r>
+            <a:endParaRPr lang="en-US" sz="3200" dirty="0">
+              <a:solidFill>
+                <a:schemeClr val="tx1"/>
+              </a:solidFill>
+              <a:effectLst/>
+              <a:latin typeface="Consolas" panose="020B0609020204030204" pitchFamily="49" charset="0"/>
+              <a:ea typeface="SimSun" panose="02010600030101010101" pitchFamily="2" charset="-122"/>
+              <a:cs typeface="Times New Roman" panose="02020603050405020304" pitchFamily="18" charset="0"/>
+            </a:endParaRPr>
+          </a:p>
+        </p:txBody>
+      </p:sp>
+    </p:spTree>
+    <p:custDataLst>
+      <p:tags r:id="rId1"/>
+    </p:custDataLst>
+    <p:extLst>
+      <p:ext uri="{BB962C8B-B14F-4D97-AF65-F5344CB8AC3E}">
+        <p14:creationId xmlns:p14="http://schemas.microsoft.com/office/powerpoint/2010/main" val="3275310144"/>
+      </p:ext>
+    </p:extLst>
+  </p:cSld>
+  <p:clrMapOvr>
+    <a:masterClrMapping/>
+  </p:clrMapOvr>
+</p:sld>
+</file>
+
+<file path=ppt/slides/slide51.xml><?xml version="1.0" encoding="utf-8"?>
+<p:sld xmlns:a="http://schemas.openxmlformats.org/drawingml/2006/main" xmlns:r="http://schemas.openxmlformats.org/officeDocument/2006/relationships" xmlns:p="http://schemas.openxmlformats.org/presentationml/2006/main">
+  <p:cSld>
+    <p:spTree>
+      <p:nvGrpSpPr>
+        <p:cNvPr id="1" name=""/>
+        <p:cNvGrpSpPr/>
+        <p:nvPr/>
+      </p:nvGrpSpPr>
+      <p:grpSpPr>
+        <a:xfrm>
+          <a:off x="0" y="0"/>
+          <a:ext cx="0" cy="0"/>
+          <a:chOff x="0" y="0"/>
+          <a:chExt cx="0" cy="0"/>
+        </a:xfrm>
+      </p:grpSpPr>
+      <p:sp>
+        <p:nvSpPr>
+          <p:cNvPr id="2" name="Title 1"/>
+          <p:cNvSpPr>
+            <a:spLocks noGrp="1"/>
+          </p:cNvSpPr>
+          <p:nvPr>
+            <p:ph type="title"/>
+          </p:nvPr>
+        </p:nvSpPr>
+        <p:spPr/>
+        <p:txBody>
+          <a:bodyPr/>
+          <a:lstStyle/>
+          <a:p>
+            <a:r>
+              <a:rPr lang="en-SG" dirty="0"/>
               <a:t>Delete Records</a:t>
             </a:r>
           </a:p>
@@ -36726,7 +36894,7 @@
 </p:sld>
 </file>
 
-<file path=ppt/slides/slide51.xml><?xml version="1.0" encoding="utf-8"?>
+<file path=ppt/slides/slide52.xml><?xml version="1.0" encoding="utf-8"?>
 <p:sld xmlns:a="http://schemas.openxmlformats.org/drawingml/2006/main" xmlns:r="http://schemas.openxmlformats.org/officeDocument/2006/relationships" xmlns:p="http://schemas.openxmlformats.org/presentationml/2006/main">
   <p:cSld>
     <p:spTree>
@@ -37252,7 +37420,7 @@
 </p:sld>
 </file>
 
-<file path=ppt/slides/slide52.xml><?xml version="1.0" encoding="utf-8"?>
+<file path=ppt/slides/slide53.xml><?xml version="1.0" encoding="utf-8"?>
 <p:sld xmlns:a="http://schemas.openxmlformats.org/drawingml/2006/main" xmlns:r="http://schemas.openxmlformats.org/officeDocument/2006/relationships" xmlns:p="http://schemas.openxmlformats.org/presentationml/2006/main">
   <p:cSld>
     <p:spTree>
@@ -38010,7 +38178,7 @@
 </p:sld>
 </file>
 
-<file path=ppt/slides/slide53.xml><?xml version="1.0" encoding="utf-8"?>
+<file path=ppt/slides/slide54.xml><?xml version="1.0" encoding="utf-8"?>
 <p:sld xmlns:a="http://schemas.openxmlformats.org/drawingml/2006/main" xmlns:r="http://schemas.openxmlformats.org/officeDocument/2006/relationships" xmlns:p="http://schemas.openxmlformats.org/presentationml/2006/main">
   <p:cSld>
     <p:spTree>
@@ -38474,7 +38642,7 @@
 </p:sld>
 </file>
 
-<file path=ppt/slides/slide54.xml><?xml version="1.0" encoding="utf-8"?>
+<file path=ppt/slides/slide55.xml><?xml version="1.0" encoding="utf-8"?>
 <p:sld xmlns:a="http://schemas.openxmlformats.org/drawingml/2006/main" xmlns:r="http://schemas.openxmlformats.org/officeDocument/2006/relationships" xmlns:p="http://schemas.openxmlformats.org/presentationml/2006/main">
   <p:cSld>
     <p:spTree>
@@ -38620,7 +38788,7 @@
 </p:sld>
 </file>
 
-<file path=ppt/slides/slide55.xml><?xml version="1.0" encoding="utf-8"?>
+<file path=ppt/slides/slide56.xml><?xml version="1.0" encoding="utf-8"?>
 <p:sld xmlns:a="http://schemas.openxmlformats.org/drawingml/2006/main" xmlns:r="http://schemas.openxmlformats.org/officeDocument/2006/relationships" xmlns:p="http://schemas.openxmlformats.org/presentationml/2006/main">
   <p:cSld>
     <p:spTree>
@@ -42281,15 +42449,6 @@
 </file>
 
 <file path=customXml/item1.xml><?xml version="1.0" encoding="utf-8"?>
-<?mso-contentType ?>
-<FormTemplates xmlns="http://schemas.microsoft.com/sharepoint/v3/contenttype/forms">
-  <Display>DocumentLibraryForm</Display>
-  <Edit>DocumentLibraryForm</Edit>
-  <New>DocumentLibraryForm</New>
-</FormTemplates>
-</file>
-
-<file path=customXml/item2.xml><?xml version="1.0" encoding="utf-8"?>
 <ct:contentTypeSchema xmlns:ct="http://schemas.microsoft.com/office/2006/metadata/contentType" xmlns:ma="http://schemas.microsoft.com/office/2006/metadata/properties/metaAttributes" ct:_="" ma:_="" ma:contentTypeName="Document" ma:contentTypeID="0x010100606A1258361F104792B87D967037D439" ma:contentTypeVersion="0" ma:contentTypeDescription="Create a new document." ma:contentTypeScope="" ma:versionID="72d9905301751e4347c9ddc8332f4b8d">
   <xsd:schema xmlns:xsd="http://www.w3.org/2001/XMLSchema" xmlns:p="http://schemas.microsoft.com/office/2006/metadata/properties" targetNamespace="http://schemas.microsoft.com/office/2006/metadata/properties" ma:root="true" ma:fieldsID="4aeb20c0e3442673af7ee10786458764">
     <xsd:element name="properties">
@@ -42338,6 +42497,15 @@
 </ct:contentTypeSchema>
 </file>
 
+<file path=customXml/item2.xml><?xml version="1.0" encoding="utf-8"?>
+<?mso-contentType ?>
+<FormTemplates xmlns="http://schemas.microsoft.com/sharepoint/v3/contenttype/forms">
+  <Display>DocumentLibraryForm</Display>
+  <Edit>DocumentLibraryForm</Edit>
+  <New>DocumentLibraryForm</New>
+</FormTemplates>
+</file>
+
 <file path=customXml/item3.xml><?xml version="1.0" encoding="utf-8"?>
 <p:properties xmlns:p="http://schemas.microsoft.com/office/2006/metadata/properties" xmlns:xsi="http://www.w3.org/2001/XMLSchema-instance">
   <documentManagement/>
@@ -42345,14 +42513,6 @@
 </file>
 
 <file path=customXml/itemProps1.xml><?xml version="1.0" encoding="utf-8"?>
-<ds:datastoreItem xmlns:ds="http://schemas.openxmlformats.org/officeDocument/2006/customXml" ds:itemID="{A8AED1B3-2F45-4762-91FA-ED08F295B52E}">
-  <ds:schemaRefs>
-    <ds:schemaRef ds:uri="http://schemas.microsoft.com/sharepoint/v3/contenttype/forms"/>
-  </ds:schemaRefs>
-</ds:datastoreItem>
-</file>
-
-<file path=customXml/itemProps2.xml><?xml version="1.0" encoding="utf-8"?>
 <ds:datastoreItem xmlns:ds="http://schemas.openxmlformats.org/officeDocument/2006/customXml" ds:itemID="{F223B4EA-C447-40BA-B202-65C188424725}">
   <ds:schemaRefs>
     <ds:schemaRef ds:uri="http://schemas.microsoft.com/office/2006/metadata/contentType"/>
@@ -42363,6 +42523,14 @@
     <ds:schemaRef ds:uri="http://purl.org/dc/elements/1.1/"/>
     <ds:schemaRef ds:uri="http://purl.org/dc/terms/"/>
     <ds:schemaRef ds:uri="http://schemas.microsoft.com/office/internal/2005/internalDocumentation"/>
+  </ds:schemaRefs>
+</ds:datastoreItem>
+</file>
+
+<file path=customXml/itemProps2.xml><?xml version="1.0" encoding="utf-8"?>
+<ds:datastoreItem xmlns:ds="http://schemas.openxmlformats.org/officeDocument/2006/customXml" ds:itemID="{A8AED1B3-2F45-4762-91FA-ED08F295B52E}">
+  <ds:schemaRefs>
+    <ds:schemaRef ds:uri="http://schemas.microsoft.com/sharepoint/v3/contenttype/forms"/>
   </ds:schemaRefs>
 </ds:datastoreItem>
 </file>
